--- a/제안서 및 보고서/앱 화면 캡쳐.pptx
+++ b/제안서 및 보고서/앱 화면 캡쳐.pptx
@@ -5,9 +5,9 @@
     <p:sldMasterId id="2147483648" r:id="rId1"/>
   </p:sldMasterIdLst>
   <p:sldIdLst>
-    <p:sldId id="256" r:id="rId2"/>
-    <p:sldId id="257" r:id="rId3"/>
-    <p:sldId id="258" r:id="rId4"/>
+    <p:sldId id="257" r:id="rId2"/>
+    <p:sldId id="258" r:id="rId3"/>
+    <p:sldId id="261" r:id="rId4"/>
     <p:sldId id="259" r:id="rId5"/>
     <p:sldId id="260" r:id="rId6"/>
   </p:sldIdLst>
@@ -108,6 +108,11 @@
       </a:defRPr>
     </a:lvl9pPr>
   </p:defaultTextStyle>
+  <p:extLst>
+    <p:ext uri="{EFAFB233-063F-42B5-8137-9DF3F51BA10A}">
+      <p15:sldGuideLst xmlns:p15="http://schemas.microsoft.com/office/powerpoint/2012/main"/>
+    </p:ext>
+  </p:extLst>
 </p:presentation>
 </file>
 
@@ -258,7 +263,7 @@
           <a:p>
             <a:fld id="{E11D3BB4-A194-4F2F-A395-7CF54EE0DE70}" type="datetimeFigureOut">
               <a:rPr lang="ko-KR" altLang="en-US" smtClean="0"/>
-              <a:t>2018-12-09</a:t>
+              <a:t>2018-12-10</a:t>
             </a:fld>
             <a:endParaRPr lang="ko-KR" altLang="en-US"/>
           </a:p>
@@ -456,7 +461,7 @@
           <a:p>
             <a:fld id="{E11D3BB4-A194-4F2F-A395-7CF54EE0DE70}" type="datetimeFigureOut">
               <a:rPr lang="ko-KR" altLang="en-US" smtClean="0"/>
-              <a:t>2018-12-09</a:t>
+              <a:t>2018-12-10</a:t>
             </a:fld>
             <a:endParaRPr lang="ko-KR" altLang="en-US"/>
           </a:p>
@@ -664,7 +669,7 @@
           <a:p>
             <a:fld id="{E11D3BB4-A194-4F2F-A395-7CF54EE0DE70}" type="datetimeFigureOut">
               <a:rPr lang="ko-KR" altLang="en-US" smtClean="0"/>
-              <a:t>2018-12-09</a:t>
+              <a:t>2018-12-10</a:t>
             </a:fld>
             <a:endParaRPr lang="ko-KR" altLang="en-US"/>
           </a:p>
@@ -862,7 +867,7 @@
           <a:p>
             <a:fld id="{E11D3BB4-A194-4F2F-A395-7CF54EE0DE70}" type="datetimeFigureOut">
               <a:rPr lang="ko-KR" altLang="en-US" smtClean="0"/>
-              <a:t>2018-12-09</a:t>
+              <a:t>2018-12-10</a:t>
             </a:fld>
             <a:endParaRPr lang="ko-KR" altLang="en-US"/>
           </a:p>
@@ -1137,7 +1142,7 @@
           <a:p>
             <a:fld id="{E11D3BB4-A194-4F2F-A395-7CF54EE0DE70}" type="datetimeFigureOut">
               <a:rPr lang="ko-KR" altLang="en-US" smtClean="0"/>
-              <a:t>2018-12-09</a:t>
+              <a:t>2018-12-10</a:t>
             </a:fld>
             <a:endParaRPr lang="ko-KR" altLang="en-US"/>
           </a:p>
@@ -1402,7 +1407,7 @@
           <a:p>
             <a:fld id="{E11D3BB4-A194-4F2F-A395-7CF54EE0DE70}" type="datetimeFigureOut">
               <a:rPr lang="ko-KR" altLang="en-US" smtClean="0"/>
-              <a:t>2018-12-09</a:t>
+              <a:t>2018-12-10</a:t>
             </a:fld>
             <a:endParaRPr lang="ko-KR" altLang="en-US"/>
           </a:p>
@@ -1814,7 +1819,7 @@
           <a:p>
             <a:fld id="{E11D3BB4-A194-4F2F-A395-7CF54EE0DE70}" type="datetimeFigureOut">
               <a:rPr lang="ko-KR" altLang="en-US" smtClean="0"/>
-              <a:t>2018-12-09</a:t>
+              <a:t>2018-12-10</a:t>
             </a:fld>
             <a:endParaRPr lang="ko-KR" altLang="en-US"/>
           </a:p>
@@ -1955,7 +1960,7 @@
           <a:p>
             <a:fld id="{E11D3BB4-A194-4F2F-A395-7CF54EE0DE70}" type="datetimeFigureOut">
               <a:rPr lang="ko-KR" altLang="en-US" smtClean="0"/>
-              <a:t>2018-12-09</a:t>
+              <a:t>2018-12-10</a:t>
             </a:fld>
             <a:endParaRPr lang="ko-KR" altLang="en-US"/>
           </a:p>
@@ -2068,7 +2073,7 @@
           <a:p>
             <a:fld id="{E11D3BB4-A194-4F2F-A395-7CF54EE0DE70}" type="datetimeFigureOut">
               <a:rPr lang="ko-KR" altLang="en-US" smtClean="0"/>
-              <a:t>2018-12-09</a:t>
+              <a:t>2018-12-10</a:t>
             </a:fld>
             <a:endParaRPr lang="ko-KR" altLang="en-US"/>
           </a:p>
@@ -2379,7 +2384,7 @@
           <a:p>
             <a:fld id="{E11D3BB4-A194-4F2F-A395-7CF54EE0DE70}" type="datetimeFigureOut">
               <a:rPr lang="ko-KR" altLang="en-US" smtClean="0"/>
-              <a:t>2018-12-09</a:t>
+              <a:t>2018-12-10</a:t>
             </a:fld>
             <a:endParaRPr lang="ko-KR" altLang="en-US"/>
           </a:p>
@@ -2667,7 +2672,7 @@
           <a:p>
             <a:fld id="{E11D3BB4-A194-4F2F-A395-7CF54EE0DE70}" type="datetimeFigureOut">
               <a:rPr lang="ko-KR" altLang="en-US" smtClean="0"/>
-              <a:t>2018-12-09</a:t>
+              <a:t>2018-12-10</a:t>
             </a:fld>
             <a:endParaRPr lang="ko-KR" altLang="en-US"/>
           </a:p>
@@ -2908,7 +2913,7 @@
           <a:p>
             <a:fld id="{E11D3BB4-A194-4F2F-A395-7CF54EE0DE70}" type="datetimeFigureOut">
               <a:rPr lang="ko-KR" altLang="en-US" smtClean="0"/>
-              <a:t>2018-12-09</a:t>
+              <a:t>2018-12-10</a:t>
             </a:fld>
             <a:endParaRPr lang="ko-KR" altLang="en-US"/>
           </a:p>
@@ -3325,86 +3330,6 @@
           <a:chExt cx="0" cy="0"/>
         </a:xfrm>
       </p:grpSpPr>
-      <p:sp>
-        <p:nvSpPr>
-          <p:cNvPr id="2" name="제목 1">
-            <a:extLst>
-              <a:ext uri="{FF2B5EF4-FFF2-40B4-BE49-F238E27FC236}">
-                <a16:creationId xmlns:a16="http://schemas.microsoft.com/office/drawing/2014/main" id="{1694CEB8-020D-4EB4-8D2C-116F9331D143}"/>
-              </a:ext>
-            </a:extLst>
-          </p:cNvPr>
-          <p:cNvSpPr>
-            <a:spLocks noGrp="1"/>
-          </p:cNvSpPr>
-          <p:nvPr>
-            <p:ph type="ctrTitle"/>
-          </p:nvPr>
-        </p:nvSpPr>
-        <p:spPr/>
-        <p:txBody>
-          <a:bodyPr/>
-          <a:lstStyle/>
-          <a:p>
-            <a:endParaRPr lang="ko-KR" altLang="en-US"/>
-          </a:p>
-        </p:txBody>
-      </p:sp>
-      <p:sp>
-        <p:nvSpPr>
-          <p:cNvPr id="3" name="부제목 2">
-            <a:extLst>
-              <a:ext uri="{FF2B5EF4-FFF2-40B4-BE49-F238E27FC236}">
-                <a16:creationId xmlns:a16="http://schemas.microsoft.com/office/drawing/2014/main" id="{9C3619FF-5ACC-434A-8672-F51AD2475AF4}"/>
-              </a:ext>
-            </a:extLst>
-          </p:cNvPr>
-          <p:cNvSpPr>
-            <a:spLocks noGrp="1"/>
-          </p:cNvSpPr>
-          <p:nvPr>
-            <p:ph type="subTitle" idx="1"/>
-          </p:nvPr>
-        </p:nvSpPr>
-        <p:spPr/>
-        <p:txBody>
-          <a:bodyPr/>
-          <a:lstStyle/>
-          <a:p>
-            <a:endParaRPr lang="ko-KR" altLang="en-US"/>
-          </a:p>
-        </p:txBody>
-      </p:sp>
-    </p:spTree>
-    <p:extLst>
-      <p:ext uri="{BB962C8B-B14F-4D97-AF65-F5344CB8AC3E}">
-        <p14:creationId xmlns:p14="http://schemas.microsoft.com/office/powerpoint/2010/main" val="2507762408"/>
-      </p:ext>
-    </p:extLst>
-  </p:cSld>
-  <p:clrMapOvr>
-    <a:masterClrMapping/>
-  </p:clrMapOvr>
-</p:sld>
-</file>
-
-<file path=ppt/slides/slide2.xml><?xml version="1.0" encoding="utf-8"?>
-<p:sld xmlns:a="http://schemas.openxmlformats.org/drawingml/2006/main" xmlns:r="http://schemas.openxmlformats.org/officeDocument/2006/relationships" xmlns:p="http://schemas.openxmlformats.org/presentationml/2006/main">
-  <p:cSld>
-    <p:spTree>
-      <p:nvGrpSpPr>
-        <p:cNvPr id="1" name=""/>
-        <p:cNvGrpSpPr/>
-        <p:nvPr/>
-      </p:nvGrpSpPr>
-      <p:grpSpPr>
-        <a:xfrm>
-          <a:off x="0" y="0"/>
-          <a:ext cx="0" cy="0"/>
-          <a:chOff x="0" y="0"/>
-          <a:chExt cx="0" cy="0"/>
-        </a:xfrm>
-      </p:grpSpPr>
       <p:pic>
         <p:nvPicPr>
           <p:cNvPr id="4" name="그림 3">
@@ -3590,7 +3515,7 @@
 </p:sld>
 </file>
 
-<file path=ppt/slides/slide3.xml><?xml version="1.0" encoding="utf-8"?>
+<file path=ppt/slides/slide2.xml><?xml version="1.0" encoding="utf-8"?>
 <p:sld xmlns:a="http://schemas.openxmlformats.org/drawingml/2006/main" xmlns:r="http://schemas.openxmlformats.org/officeDocument/2006/relationships" xmlns:p="http://schemas.openxmlformats.org/presentationml/2006/main">
   <p:cSld>
     <p:spTree>
@@ -4343,10 +4268,10 @@
           </p:nvGrpSpPr>
           <p:grpSpPr>
             <a:xfrm>
-              <a:off x="4642088" y="1867078"/>
-              <a:ext cx="264796" cy="276999"/>
-              <a:chOff x="3920489" y="520630"/>
-              <a:chExt cx="264796" cy="276999"/>
+              <a:off x="4655423" y="1867078"/>
+              <a:ext cx="251461" cy="276999"/>
+              <a:chOff x="3933824" y="520630"/>
+              <a:chExt cx="251461" cy="276999"/>
             </a:xfrm>
           </p:grpSpPr>
           <p:sp>
@@ -4415,8 +4340,8 @@
             </p:nvSpPr>
             <p:spPr>
               <a:xfrm>
-                <a:off x="3920489" y="520630"/>
-                <a:ext cx="264795" cy="276999"/>
+                <a:off x="3933824" y="520630"/>
+                <a:ext cx="251460" cy="276999"/>
               </a:xfrm>
               <a:prstGeom prst="rect">
                 <a:avLst/>
@@ -4452,10 +4377,10 @@
           </p:nvGrpSpPr>
           <p:grpSpPr>
             <a:xfrm>
-              <a:off x="4642088" y="2419348"/>
-              <a:ext cx="264796" cy="276999"/>
-              <a:chOff x="3920489" y="520630"/>
-              <a:chExt cx="264796" cy="276999"/>
+              <a:off x="4648755" y="2419348"/>
+              <a:ext cx="264795" cy="276999"/>
+              <a:chOff x="3927156" y="520630"/>
+              <a:chExt cx="264795" cy="276999"/>
             </a:xfrm>
           </p:grpSpPr>
           <p:sp>
@@ -4524,7 +4449,7 @@
             </p:nvSpPr>
             <p:spPr>
               <a:xfrm>
-                <a:off x="3920489" y="520630"/>
+                <a:off x="3927156" y="520630"/>
                 <a:ext cx="264795" cy="276999"/>
               </a:xfrm>
               <a:prstGeom prst="rect">
@@ -4832,6 +4757,2393 @@
 </p:sld>
 </file>
 
+<file path=ppt/slides/slide3.xml><?xml version="1.0" encoding="utf-8"?>
+<p:sld xmlns:a="http://schemas.openxmlformats.org/drawingml/2006/main" xmlns:r="http://schemas.openxmlformats.org/officeDocument/2006/relationships" xmlns:p="http://schemas.openxmlformats.org/presentationml/2006/main">
+  <p:cSld>
+    <p:spTree>
+      <p:nvGrpSpPr>
+        <p:cNvPr id="1" name=""/>
+        <p:cNvGrpSpPr/>
+        <p:nvPr/>
+      </p:nvGrpSpPr>
+      <p:grpSpPr>
+        <a:xfrm>
+          <a:off x="0" y="0"/>
+          <a:ext cx="0" cy="0"/>
+          <a:chOff x="0" y="0"/>
+          <a:chExt cx="0" cy="0"/>
+        </a:xfrm>
+      </p:grpSpPr>
+      <p:grpSp>
+        <p:nvGrpSpPr>
+          <p:cNvPr id="4" name="그룹 3">
+            <a:extLst>
+              <a:ext uri="{FF2B5EF4-FFF2-40B4-BE49-F238E27FC236}">
+                <a16:creationId xmlns:a16="http://schemas.microsoft.com/office/drawing/2014/main" id="{526E9458-B55B-4901-A522-824A2758C58C}"/>
+              </a:ext>
+            </a:extLst>
+          </p:cNvPr>
+          <p:cNvGrpSpPr/>
+          <p:nvPr/>
+        </p:nvGrpSpPr>
+        <p:grpSpPr>
+          <a:xfrm>
+            <a:off x="451457" y="893982"/>
+            <a:ext cx="2961794" cy="5070036"/>
+            <a:chOff x="4628752" y="893981"/>
+            <a:chExt cx="2961794" cy="5070036"/>
+          </a:xfrm>
+        </p:grpSpPr>
+        <p:pic>
+          <p:nvPicPr>
+            <p:cNvPr id="5" name="그림 4">
+              <a:extLst>
+                <a:ext uri="{FF2B5EF4-FFF2-40B4-BE49-F238E27FC236}">
+                  <a16:creationId xmlns:a16="http://schemas.microsoft.com/office/drawing/2014/main" id="{E465F170-D32D-4837-A6F3-D517F9C6286D}"/>
+                </a:ext>
+              </a:extLst>
+            </p:cNvPr>
+            <p:cNvPicPr>
+              <a:picLocks noChangeAspect="1"/>
+            </p:cNvPicPr>
+            <p:nvPr/>
+          </p:nvPicPr>
+          <p:blipFill>
+            <a:blip r:embed="rId2"/>
+            <a:stretch>
+              <a:fillRect/>
+            </a:stretch>
+          </p:blipFill>
+          <p:spPr>
+            <a:xfrm>
+              <a:off x="5033319" y="893981"/>
+              <a:ext cx="2466504" cy="5070036"/>
+            </a:xfrm>
+            <a:prstGeom prst="rect">
+              <a:avLst/>
+            </a:prstGeom>
+            <a:ln>
+              <a:solidFill>
+                <a:schemeClr val="bg2">
+                  <a:lumMod val="50000"/>
+                </a:schemeClr>
+              </a:solidFill>
+            </a:ln>
+          </p:spPr>
+        </p:pic>
+        <p:sp>
+          <p:nvSpPr>
+            <p:cNvPr id="6" name="직사각형 5">
+              <a:extLst>
+                <a:ext uri="{FF2B5EF4-FFF2-40B4-BE49-F238E27FC236}">
+                  <a16:creationId xmlns:a16="http://schemas.microsoft.com/office/drawing/2014/main" id="{2D9D4447-B411-4B8F-99A3-46A90A4F2788}"/>
+                </a:ext>
+              </a:extLst>
+            </p:cNvPr>
+            <p:cNvSpPr/>
+            <p:nvPr/>
+          </p:nvSpPr>
+          <p:spPr>
+            <a:xfrm>
+              <a:off x="4942596" y="1080669"/>
+              <a:ext cx="2647950" cy="788137"/>
+            </a:xfrm>
+            <a:prstGeom prst="rect">
+              <a:avLst/>
+            </a:prstGeom>
+            <a:noFill/>
+            <a:ln w="19050">
+              <a:solidFill>
+                <a:srgbClr val="FF9797"/>
+              </a:solidFill>
+              <a:prstDash val="sysDash"/>
+            </a:ln>
+          </p:spPr>
+          <p:style>
+            <a:lnRef idx="2">
+              <a:schemeClr val="accent1">
+                <a:shade val="50000"/>
+              </a:schemeClr>
+            </a:lnRef>
+            <a:fillRef idx="1">
+              <a:schemeClr val="accent1"/>
+            </a:fillRef>
+            <a:effectRef idx="0">
+              <a:schemeClr val="accent1"/>
+            </a:effectRef>
+            <a:fontRef idx="minor">
+              <a:schemeClr val="lt1"/>
+            </a:fontRef>
+          </p:style>
+          <p:txBody>
+            <a:bodyPr rtlCol="0" anchor="ctr"/>
+            <a:lstStyle/>
+            <a:p>
+              <a:pPr algn="ctr"/>
+              <a:endParaRPr lang="ko-KR" altLang="en-US" dirty="0"/>
+            </a:p>
+          </p:txBody>
+        </p:sp>
+        <p:sp>
+          <p:nvSpPr>
+            <p:cNvPr id="7" name="직사각형 6">
+              <a:extLst>
+                <a:ext uri="{FF2B5EF4-FFF2-40B4-BE49-F238E27FC236}">
+                  <a16:creationId xmlns:a16="http://schemas.microsoft.com/office/drawing/2014/main" id="{8C0B9176-DA1B-4B9A-82B3-1DBF2678169E}"/>
+                </a:ext>
+              </a:extLst>
+            </p:cNvPr>
+            <p:cNvSpPr/>
+            <p:nvPr/>
+          </p:nvSpPr>
+          <p:spPr>
+            <a:xfrm>
+              <a:off x="4942596" y="1912620"/>
+              <a:ext cx="2647950" cy="462915"/>
+            </a:xfrm>
+            <a:prstGeom prst="rect">
+              <a:avLst/>
+            </a:prstGeom>
+            <a:noFill/>
+            <a:ln w="19050">
+              <a:solidFill>
+                <a:srgbClr val="FF9797"/>
+              </a:solidFill>
+              <a:prstDash val="sysDash"/>
+            </a:ln>
+          </p:spPr>
+          <p:style>
+            <a:lnRef idx="2">
+              <a:schemeClr val="accent1">
+                <a:shade val="50000"/>
+              </a:schemeClr>
+            </a:lnRef>
+            <a:fillRef idx="1">
+              <a:schemeClr val="accent1"/>
+            </a:fillRef>
+            <a:effectRef idx="0">
+              <a:schemeClr val="accent1"/>
+            </a:effectRef>
+            <a:fontRef idx="minor">
+              <a:schemeClr val="lt1"/>
+            </a:fontRef>
+          </p:style>
+          <p:txBody>
+            <a:bodyPr rtlCol="0" anchor="ctr"/>
+            <a:lstStyle/>
+            <a:p>
+              <a:pPr algn="ctr"/>
+              <a:endParaRPr lang="ko-KR" altLang="en-US"/>
+            </a:p>
+          </p:txBody>
+        </p:sp>
+        <p:sp>
+          <p:nvSpPr>
+            <p:cNvPr id="8" name="직사각형 7">
+              <a:extLst>
+                <a:ext uri="{FF2B5EF4-FFF2-40B4-BE49-F238E27FC236}">
+                  <a16:creationId xmlns:a16="http://schemas.microsoft.com/office/drawing/2014/main" id="{4BD4219F-2CAA-41DD-B179-DB0DFB881AFA}"/>
+                </a:ext>
+              </a:extLst>
+            </p:cNvPr>
+            <p:cNvSpPr/>
+            <p:nvPr/>
+          </p:nvSpPr>
+          <p:spPr>
+            <a:xfrm>
+              <a:off x="4942596" y="2419348"/>
+              <a:ext cx="2647950" cy="2205991"/>
+            </a:xfrm>
+            <a:prstGeom prst="rect">
+              <a:avLst/>
+            </a:prstGeom>
+            <a:noFill/>
+            <a:ln w="19050">
+              <a:solidFill>
+                <a:srgbClr val="FF9797"/>
+              </a:solidFill>
+              <a:prstDash val="sysDash"/>
+            </a:ln>
+          </p:spPr>
+          <p:style>
+            <a:lnRef idx="2">
+              <a:schemeClr val="accent1">
+                <a:shade val="50000"/>
+              </a:schemeClr>
+            </a:lnRef>
+            <a:fillRef idx="1">
+              <a:schemeClr val="accent1"/>
+            </a:fillRef>
+            <a:effectRef idx="0">
+              <a:schemeClr val="accent1"/>
+            </a:effectRef>
+            <a:fontRef idx="minor">
+              <a:schemeClr val="lt1"/>
+            </a:fontRef>
+          </p:style>
+          <p:txBody>
+            <a:bodyPr rtlCol="0" anchor="ctr"/>
+            <a:lstStyle/>
+            <a:p>
+              <a:pPr algn="ctr"/>
+              <a:endParaRPr lang="ko-KR" altLang="en-US"/>
+            </a:p>
+          </p:txBody>
+        </p:sp>
+        <p:sp>
+          <p:nvSpPr>
+            <p:cNvPr id="9" name="직사각형 8">
+              <a:extLst>
+                <a:ext uri="{FF2B5EF4-FFF2-40B4-BE49-F238E27FC236}">
+                  <a16:creationId xmlns:a16="http://schemas.microsoft.com/office/drawing/2014/main" id="{E852E436-6D2F-4C9B-8830-F2940EEA77EF}"/>
+                </a:ext>
+              </a:extLst>
+            </p:cNvPr>
+            <p:cNvSpPr/>
+            <p:nvPr/>
+          </p:nvSpPr>
+          <p:spPr>
+            <a:xfrm>
+              <a:off x="5033319" y="3535680"/>
+              <a:ext cx="2466504" cy="548640"/>
+            </a:xfrm>
+            <a:prstGeom prst="rect">
+              <a:avLst/>
+            </a:prstGeom>
+            <a:noFill/>
+            <a:ln w="19050">
+              <a:solidFill>
+                <a:srgbClr val="FF9797"/>
+              </a:solidFill>
+              <a:prstDash val="sysDash"/>
+            </a:ln>
+          </p:spPr>
+          <p:style>
+            <a:lnRef idx="2">
+              <a:schemeClr val="accent1">
+                <a:shade val="50000"/>
+              </a:schemeClr>
+            </a:lnRef>
+            <a:fillRef idx="1">
+              <a:schemeClr val="accent1"/>
+            </a:fillRef>
+            <a:effectRef idx="0">
+              <a:schemeClr val="accent1"/>
+            </a:effectRef>
+            <a:fontRef idx="minor">
+              <a:schemeClr val="lt1"/>
+            </a:fontRef>
+          </p:style>
+          <p:txBody>
+            <a:bodyPr rtlCol="0" anchor="ctr"/>
+            <a:lstStyle/>
+            <a:p>
+              <a:pPr algn="ctr"/>
+              <a:endParaRPr lang="ko-KR" altLang="en-US"/>
+            </a:p>
+          </p:txBody>
+        </p:sp>
+        <p:grpSp>
+          <p:nvGrpSpPr>
+            <p:cNvPr id="10" name="그룹 9">
+              <a:extLst>
+                <a:ext uri="{FF2B5EF4-FFF2-40B4-BE49-F238E27FC236}">
+                  <a16:creationId xmlns:a16="http://schemas.microsoft.com/office/drawing/2014/main" id="{06AD3BDF-94C0-4DE6-9C96-DDFB07626635}"/>
+                </a:ext>
+              </a:extLst>
+            </p:cNvPr>
+            <p:cNvGrpSpPr/>
+            <p:nvPr/>
+          </p:nvGrpSpPr>
+          <p:grpSpPr>
+            <a:xfrm>
+              <a:off x="4628752" y="1059714"/>
+              <a:ext cx="264796" cy="276999"/>
+              <a:chOff x="3920489" y="520630"/>
+              <a:chExt cx="264796" cy="276999"/>
+            </a:xfrm>
+          </p:grpSpPr>
+          <p:sp>
+            <p:nvSpPr>
+              <p:cNvPr id="24" name="타원 23">
+                <a:extLst>
+                  <a:ext uri="{FF2B5EF4-FFF2-40B4-BE49-F238E27FC236}">
+                    <a16:creationId xmlns:a16="http://schemas.microsoft.com/office/drawing/2014/main" id="{324AC10C-2B06-4C10-A138-F4E37C23D394}"/>
+                  </a:ext>
+                </a:extLst>
+              </p:cNvPr>
+              <p:cNvSpPr/>
+              <p:nvPr/>
+            </p:nvSpPr>
+            <p:spPr>
+              <a:xfrm>
+                <a:off x="3933825" y="533400"/>
+                <a:ext cx="251460" cy="251460"/>
+              </a:xfrm>
+              <a:prstGeom prst="ellipse">
+                <a:avLst/>
+              </a:prstGeom>
+              <a:solidFill>
+                <a:srgbClr val="FF9797"/>
+              </a:solidFill>
+              <a:ln>
+                <a:noFill/>
+              </a:ln>
+            </p:spPr>
+            <p:style>
+              <a:lnRef idx="2">
+                <a:schemeClr val="accent1">
+                  <a:shade val="50000"/>
+                </a:schemeClr>
+              </a:lnRef>
+              <a:fillRef idx="1">
+                <a:schemeClr val="accent1"/>
+              </a:fillRef>
+              <a:effectRef idx="0">
+                <a:schemeClr val="accent1"/>
+              </a:effectRef>
+              <a:fontRef idx="minor">
+                <a:schemeClr val="lt1"/>
+              </a:fontRef>
+            </p:style>
+            <p:txBody>
+              <a:bodyPr rtlCol="0" anchor="ctr"/>
+              <a:lstStyle/>
+              <a:p>
+                <a:pPr algn="ctr"/>
+                <a:endParaRPr lang="ko-KR" altLang="en-US"/>
+              </a:p>
+            </p:txBody>
+          </p:sp>
+          <p:sp>
+            <p:nvSpPr>
+              <p:cNvPr id="25" name="TextBox 24">
+                <a:extLst>
+                  <a:ext uri="{FF2B5EF4-FFF2-40B4-BE49-F238E27FC236}">
+                    <a16:creationId xmlns:a16="http://schemas.microsoft.com/office/drawing/2014/main" id="{08E3DA45-1916-4422-8225-683ACE30EFC0}"/>
+                  </a:ext>
+                </a:extLst>
+              </p:cNvPr>
+              <p:cNvSpPr txBox="1"/>
+              <p:nvPr/>
+            </p:nvSpPr>
+            <p:spPr>
+              <a:xfrm>
+                <a:off x="3920489" y="520630"/>
+                <a:ext cx="264795" cy="276999"/>
+              </a:xfrm>
+              <a:prstGeom prst="rect">
+                <a:avLst/>
+              </a:prstGeom>
+              <a:noFill/>
+            </p:spPr>
+            <p:txBody>
+              <a:bodyPr wrap="square" rtlCol="0">
+                <a:spAutoFit/>
+              </a:bodyPr>
+              <a:lstStyle/>
+              <a:p>
+                <a:r>
+                  <a:rPr lang="en-US" altLang="ko-KR" sz="1200" dirty="0"/>
+                  <a:t>1</a:t>
+                </a:r>
+                <a:endParaRPr lang="ko-KR" altLang="en-US" sz="1200" dirty="0"/>
+              </a:p>
+            </p:txBody>
+          </p:sp>
+        </p:grpSp>
+        <p:grpSp>
+          <p:nvGrpSpPr>
+            <p:cNvPr id="11" name="그룹 10">
+              <a:extLst>
+                <a:ext uri="{FF2B5EF4-FFF2-40B4-BE49-F238E27FC236}">
+                  <a16:creationId xmlns:a16="http://schemas.microsoft.com/office/drawing/2014/main" id="{67D2D1DE-757A-495F-AA3C-D2EB2B7583A4}"/>
+                </a:ext>
+              </a:extLst>
+            </p:cNvPr>
+            <p:cNvGrpSpPr/>
+            <p:nvPr/>
+          </p:nvGrpSpPr>
+          <p:grpSpPr>
+            <a:xfrm>
+              <a:off x="4642088" y="1867078"/>
+              <a:ext cx="264796" cy="276999"/>
+              <a:chOff x="3920489" y="520630"/>
+              <a:chExt cx="264796" cy="276999"/>
+            </a:xfrm>
+          </p:grpSpPr>
+          <p:sp>
+            <p:nvSpPr>
+              <p:cNvPr id="22" name="타원 21">
+                <a:extLst>
+                  <a:ext uri="{FF2B5EF4-FFF2-40B4-BE49-F238E27FC236}">
+                    <a16:creationId xmlns:a16="http://schemas.microsoft.com/office/drawing/2014/main" id="{00BB3C8F-D2FA-4FAC-A2DF-1A9495B9E464}"/>
+                  </a:ext>
+                </a:extLst>
+              </p:cNvPr>
+              <p:cNvSpPr/>
+              <p:nvPr/>
+            </p:nvSpPr>
+            <p:spPr>
+              <a:xfrm>
+                <a:off x="3933825" y="533400"/>
+                <a:ext cx="251460" cy="251460"/>
+              </a:xfrm>
+              <a:prstGeom prst="ellipse">
+                <a:avLst/>
+              </a:prstGeom>
+              <a:solidFill>
+                <a:srgbClr val="FF9797"/>
+              </a:solidFill>
+              <a:ln>
+                <a:noFill/>
+              </a:ln>
+            </p:spPr>
+            <p:style>
+              <a:lnRef idx="2">
+                <a:schemeClr val="accent1">
+                  <a:shade val="50000"/>
+                </a:schemeClr>
+              </a:lnRef>
+              <a:fillRef idx="1">
+                <a:schemeClr val="accent1"/>
+              </a:fillRef>
+              <a:effectRef idx="0">
+                <a:schemeClr val="accent1"/>
+              </a:effectRef>
+              <a:fontRef idx="minor">
+                <a:schemeClr val="lt1"/>
+              </a:fontRef>
+            </p:style>
+            <p:txBody>
+              <a:bodyPr rtlCol="0" anchor="ctr"/>
+              <a:lstStyle/>
+              <a:p>
+                <a:pPr algn="ctr"/>
+                <a:endParaRPr lang="ko-KR" altLang="en-US"/>
+              </a:p>
+            </p:txBody>
+          </p:sp>
+          <p:sp>
+            <p:nvSpPr>
+              <p:cNvPr id="23" name="TextBox 22">
+                <a:extLst>
+                  <a:ext uri="{FF2B5EF4-FFF2-40B4-BE49-F238E27FC236}">
+                    <a16:creationId xmlns:a16="http://schemas.microsoft.com/office/drawing/2014/main" id="{C482D2A6-2A80-4AA8-8D88-4B1F7FC05252}"/>
+                  </a:ext>
+                </a:extLst>
+              </p:cNvPr>
+              <p:cNvSpPr txBox="1"/>
+              <p:nvPr/>
+            </p:nvSpPr>
+            <p:spPr>
+              <a:xfrm>
+                <a:off x="3920489" y="520630"/>
+                <a:ext cx="264795" cy="276999"/>
+              </a:xfrm>
+              <a:prstGeom prst="rect">
+                <a:avLst/>
+              </a:prstGeom>
+              <a:noFill/>
+            </p:spPr>
+            <p:txBody>
+              <a:bodyPr wrap="square" rtlCol="0">
+                <a:spAutoFit/>
+              </a:bodyPr>
+              <a:lstStyle/>
+              <a:p>
+                <a:r>
+                  <a:rPr lang="en-US" altLang="ko-KR" sz="1200" dirty="0"/>
+                  <a:t>2</a:t>
+                </a:r>
+                <a:endParaRPr lang="ko-KR" altLang="en-US" sz="1200" dirty="0"/>
+              </a:p>
+            </p:txBody>
+          </p:sp>
+        </p:grpSp>
+        <p:grpSp>
+          <p:nvGrpSpPr>
+            <p:cNvPr id="12" name="그룹 11">
+              <a:extLst>
+                <a:ext uri="{FF2B5EF4-FFF2-40B4-BE49-F238E27FC236}">
+                  <a16:creationId xmlns:a16="http://schemas.microsoft.com/office/drawing/2014/main" id="{37C85B29-661B-4A24-A9ED-F13A675B0E51}"/>
+                </a:ext>
+              </a:extLst>
+            </p:cNvPr>
+            <p:cNvGrpSpPr/>
+            <p:nvPr/>
+          </p:nvGrpSpPr>
+          <p:grpSpPr>
+            <a:xfrm>
+              <a:off x="4642088" y="2419348"/>
+              <a:ext cx="264796" cy="276999"/>
+              <a:chOff x="3920489" y="520630"/>
+              <a:chExt cx="264796" cy="276999"/>
+            </a:xfrm>
+          </p:grpSpPr>
+          <p:sp>
+            <p:nvSpPr>
+              <p:cNvPr id="20" name="타원 19">
+                <a:extLst>
+                  <a:ext uri="{FF2B5EF4-FFF2-40B4-BE49-F238E27FC236}">
+                    <a16:creationId xmlns:a16="http://schemas.microsoft.com/office/drawing/2014/main" id="{5C9A038F-B1F5-4C26-9154-1A29B7F2F0F9}"/>
+                  </a:ext>
+                </a:extLst>
+              </p:cNvPr>
+              <p:cNvSpPr/>
+              <p:nvPr/>
+            </p:nvSpPr>
+            <p:spPr>
+              <a:xfrm>
+                <a:off x="3933825" y="533400"/>
+                <a:ext cx="251460" cy="251460"/>
+              </a:xfrm>
+              <a:prstGeom prst="ellipse">
+                <a:avLst/>
+              </a:prstGeom>
+              <a:solidFill>
+                <a:srgbClr val="FF9797"/>
+              </a:solidFill>
+              <a:ln>
+                <a:noFill/>
+              </a:ln>
+            </p:spPr>
+            <p:style>
+              <a:lnRef idx="2">
+                <a:schemeClr val="accent1">
+                  <a:shade val="50000"/>
+                </a:schemeClr>
+              </a:lnRef>
+              <a:fillRef idx="1">
+                <a:schemeClr val="accent1"/>
+              </a:fillRef>
+              <a:effectRef idx="0">
+                <a:schemeClr val="accent1"/>
+              </a:effectRef>
+              <a:fontRef idx="minor">
+                <a:schemeClr val="lt1"/>
+              </a:fontRef>
+            </p:style>
+            <p:txBody>
+              <a:bodyPr rtlCol="0" anchor="ctr"/>
+              <a:lstStyle/>
+              <a:p>
+                <a:pPr algn="ctr"/>
+                <a:endParaRPr lang="ko-KR" altLang="en-US"/>
+              </a:p>
+            </p:txBody>
+          </p:sp>
+          <p:sp>
+            <p:nvSpPr>
+              <p:cNvPr id="21" name="TextBox 20">
+                <a:extLst>
+                  <a:ext uri="{FF2B5EF4-FFF2-40B4-BE49-F238E27FC236}">
+                    <a16:creationId xmlns:a16="http://schemas.microsoft.com/office/drawing/2014/main" id="{4802C769-3AD0-4790-8C50-8C68F032074C}"/>
+                  </a:ext>
+                </a:extLst>
+              </p:cNvPr>
+              <p:cNvSpPr txBox="1"/>
+              <p:nvPr/>
+            </p:nvSpPr>
+            <p:spPr>
+              <a:xfrm>
+                <a:off x="3920489" y="520630"/>
+                <a:ext cx="264795" cy="276999"/>
+              </a:xfrm>
+              <a:prstGeom prst="rect">
+                <a:avLst/>
+              </a:prstGeom>
+              <a:noFill/>
+            </p:spPr>
+            <p:txBody>
+              <a:bodyPr wrap="square" rtlCol="0">
+                <a:spAutoFit/>
+              </a:bodyPr>
+              <a:lstStyle/>
+              <a:p>
+                <a:r>
+                  <a:rPr lang="en-US" altLang="ko-KR" sz="1200" dirty="0"/>
+                  <a:t>3</a:t>
+                </a:r>
+                <a:endParaRPr lang="ko-KR" altLang="en-US" sz="1200" dirty="0"/>
+              </a:p>
+            </p:txBody>
+          </p:sp>
+        </p:grpSp>
+        <p:grpSp>
+          <p:nvGrpSpPr>
+            <p:cNvPr id="13" name="그룹 12">
+              <a:extLst>
+                <a:ext uri="{FF2B5EF4-FFF2-40B4-BE49-F238E27FC236}">
+                  <a16:creationId xmlns:a16="http://schemas.microsoft.com/office/drawing/2014/main" id="{917C5070-DECE-4770-8912-4B1FA400C814}"/>
+                </a:ext>
+              </a:extLst>
+            </p:cNvPr>
+            <p:cNvGrpSpPr/>
+            <p:nvPr/>
+          </p:nvGrpSpPr>
+          <p:grpSpPr>
+            <a:xfrm>
+              <a:off x="4655424" y="3535680"/>
+              <a:ext cx="264796" cy="276999"/>
+              <a:chOff x="3920489" y="520630"/>
+              <a:chExt cx="264796" cy="276999"/>
+            </a:xfrm>
+          </p:grpSpPr>
+          <p:sp>
+            <p:nvSpPr>
+              <p:cNvPr id="18" name="타원 17">
+                <a:extLst>
+                  <a:ext uri="{FF2B5EF4-FFF2-40B4-BE49-F238E27FC236}">
+                    <a16:creationId xmlns:a16="http://schemas.microsoft.com/office/drawing/2014/main" id="{A9DD149E-7052-4CB1-809B-52D3192DC183}"/>
+                  </a:ext>
+                </a:extLst>
+              </p:cNvPr>
+              <p:cNvSpPr/>
+              <p:nvPr/>
+            </p:nvSpPr>
+            <p:spPr>
+              <a:xfrm>
+                <a:off x="3933825" y="533400"/>
+                <a:ext cx="251460" cy="251460"/>
+              </a:xfrm>
+              <a:prstGeom prst="ellipse">
+                <a:avLst/>
+              </a:prstGeom>
+              <a:solidFill>
+                <a:srgbClr val="FF9797"/>
+              </a:solidFill>
+              <a:ln>
+                <a:noFill/>
+              </a:ln>
+            </p:spPr>
+            <p:style>
+              <a:lnRef idx="2">
+                <a:schemeClr val="accent1">
+                  <a:shade val="50000"/>
+                </a:schemeClr>
+              </a:lnRef>
+              <a:fillRef idx="1">
+                <a:schemeClr val="accent1"/>
+              </a:fillRef>
+              <a:effectRef idx="0">
+                <a:schemeClr val="accent1"/>
+              </a:effectRef>
+              <a:fontRef idx="minor">
+                <a:schemeClr val="lt1"/>
+              </a:fontRef>
+            </p:style>
+            <p:txBody>
+              <a:bodyPr rtlCol="0" anchor="ctr"/>
+              <a:lstStyle/>
+              <a:p>
+                <a:pPr algn="ctr"/>
+                <a:endParaRPr lang="ko-KR" altLang="en-US"/>
+              </a:p>
+            </p:txBody>
+          </p:sp>
+          <p:sp>
+            <p:nvSpPr>
+              <p:cNvPr id="19" name="TextBox 18">
+                <a:extLst>
+                  <a:ext uri="{FF2B5EF4-FFF2-40B4-BE49-F238E27FC236}">
+                    <a16:creationId xmlns:a16="http://schemas.microsoft.com/office/drawing/2014/main" id="{5CD24619-E879-4D35-9DCC-C189390CCDF0}"/>
+                  </a:ext>
+                </a:extLst>
+              </p:cNvPr>
+              <p:cNvSpPr txBox="1"/>
+              <p:nvPr/>
+            </p:nvSpPr>
+            <p:spPr>
+              <a:xfrm>
+                <a:off x="3920489" y="520630"/>
+                <a:ext cx="264795" cy="276999"/>
+              </a:xfrm>
+              <a:prstGeom prst="rect">
+                <a:avLst/>
+              </a:prstGeom>
+              <a:noFill/>
+            </p:spPr>
+            <p:txBody>
+              <a:bodyPr wrap="square" rtlCol="0">
+                <a:spAutoFit/>
+              </a:bodyPr>
+              <a:lstStyle/>
+              <a:p>
+                <a:r>
+                  <a:rPr lang="en-US" altLang="ko-KR" sz="1200" dirty="0"/>
+                  <a:t>4</a:t>
+                </a:r>
+                <a:endParaRPr lang="ko-KR" altLang="en-US" sz="1200" dirty="0"/>
+              </a:p>
+            </p:txBody>
+          </p:sp>
+        </p:grpSp>
+        <p:sp>
+          <p:nvSpPr>
+            <p:cNvPr id="14" name="직사각형 13">
+              <a:extLst>
+                <a:ext uri="{FF2B5EF4-FFF2-40B4-BE49-F238E27FC236}">
+                  <a16:creationId xmlns:a16="http://schemas.microsoft.com/office/drawing/2014/main" id="{C55C5D56-2F5F-4B1C-8D6B-723E13229634}"/>
+                </a:ext>
+              </a:extLst>
+            </p:cNvPr>
+            <p:cNvSpPr/>
+            <p:nvPr/>
+          </p:nvSpPr>
+          <p:spPr>
+            <a:xfrm>
+              <a:off x="4942596" y="5211254"/>
+              <a:ext cx="2647950" cy="530417"/>
+            </a:xfrm>
+            <a:prstGeom prst="rect">
+              <a:avLst/>
+            </a:prstGeom>
+            <a:noFill/>
+            <a:ln w="19050">
+              <a:solidFill>
+                <a:srgbClr val="FF9797"/>
+              </a:solidFill>
+              <a:prstDash val="sysDash"/>
+            </a:ln>
+          </p:spPr>
+          <p:style>
+            <a:lnRef idx="2">
+              <a:schemeClr val="accent1">
+                <a:shade val="50000"/>
+              </a:schemeClr>
+            </a:lnRef>
+            <a:fillRef idx="1">
+              <a:schemeClr val="accent1"/>
+            </a:fillRef>
+            <a:effectRef idx="0">
+              <a:schemeClr val="accent1"/>
+            </a:effectRef>
+            <a:fontRef idx="minor">
+              <a:schemeClr val="lt1"/>
+            </a:fontRef>
+          </p:style>
+          <p:txBody>
+            <a:bodyPr rtlCol="0" anchor="ctr"/>
+            <a:lstStyle/>
+            <a:p>
+              <a:pPr algn="ctr"/>
+              <a:endParaRPr lang="ko-KR" altLang="en-US" dirty="0"/>
+            </a:p>
+          </p:txBody>
+        </p:sp>
+        <p:grpSp>
+          <p:nvGrpSpPr>
+            <p:cNvPr id="15" name="그룹 14">
+              <a:extLst>
+                <a:ext uri="{FF2B5EF4-FFF2-40B4-BE49-F238E27FC236}">
+                  <a16:creationId xmlns:a16="http://schemas.microsoft.com/office/drawing/2014/main" id="{351A3081-558D-4430-A5B1-7C3CCAED996D}"/>
+                </a:ext>
+              </a:extLst>
+            </p:cNvPr>
+            <p:cNvGrpSpPr/>
+            <p:nvPr/>
+          </p:nvGrpSpPr>
+          <p:grpSpPr>
+            <a:xfrm>
+              <a:off x="4628752" y="5190299"/>
+              <a:ext cx="264796" cy="276999"/>
+              <a:chOff x="3920489" y="520630"/>
+              <a:chExt cx="264796" cy="276999"/>
+            </a:xfrm>
+          </p:grpSpPr>
+          <p:sp>
+            <p:nvSpPr>
+              <p:cNvPr id="16" name="타원 15">
+                <a:extLst>
+                  <a:ext uri="{FF2B5EF4-FFF2-40B4-BE49-F238E27FC236}">
+                    <a16:creationId xmlns:a16="http://schemas.microsoft.com/office/drawing/2014/main" id="{1265D3DB-9186-4A2B-A63D-0F2398BE928A}"/>
+                  </a:ext>
+                </a:extLst>
+              </p:cNvPr>
+              <p:cNvSpPr/>
+              <p:nvPr/>
+            </p:nvSpPr>
+            <p:spPr>
+              <a:xfrm>
+                <a:off x="3933825" y="533400"/>
+                <a:ext cx="251460" cy="251460"/>
+              </a:xfrm>
+              <a:prstGeom prst="ellipse">
+                <a:avLst/>
+              </a:prstGeom>
+              <a:solidFill>
+                <a:srgbClr val="FF9797"/>
+              </a:solidFill>
+              <a:ln>
+                <a:noFill/>
+              </a:ln>
+            </p:spPr>
+            <p:style>
+              <a:lnRef idx="2">
+                <a:schemeClr val="accent1">
+                  <a:shade val="50000"/>
+                </a:schemeClr>
+              </a:lnRef>
+              <a:fillRef idx="1">
+                <a:schemeClr val="accent1"/>
+              </a:fillRef>
+              <a:effectRef idx="0">
+                <a:schemeClr val="accent1"/>
+              </a:effectRef>
+              <a:fontRef idx="minor">
+                <a:schemeClr val="lt1"/>
+              </a:fontRef>
+            </p:style>
+            <p:txBody>
+              <a:bodyPr rtlCol="0" anchor="ctr"/>
+              <a:lstStyle/>
+              <a:p>
+                <a:pPr algn="ctr"/>
+                <a:endParaRPr lang="ko-KR" altLang="en-US"/>
+              </a:p>
+            </p:txBody>
+          </p:sp>
+          <p:sp>
+            <p:nvSpPr>
+              <p:cNvPr id="17" name="TextBox 16">
+                <a:extLst>
+                  <a:ext uri="{FF2B5EF4-FFF2-40B4-BE49-F238E27FC236}">
+                    <a16:creationId xmlns:a16="http://schemas.microsoft.com/office/drawing/2014/main" id="{5788056D-2ABC-4D09-B85E-38B9B2F36108}"/>
+                  </a:ext>
+                </a:extLst>
+              </p:cNvPr>
+              <p:cNvSpPr txBox="1"/>
+              <p:nvPr/>
+            </p:nvSpPr>
+            <p:spPr>
+              <a:xfrm>
+                <a:off x="3920489" y="520630"/>
+                <a:ext cx="264795" cy="276999"/>
+              </a:xfrm>
+              <a:prstGeom prst="rect">
+                <a:avLst/>
+              </a:prstGeom>
+              <a:noFill/>
+            </p:spPr>
+            <p:txBody>
+              <a:bodyPr wrap="square" rtlCol="0">
+                <a:spAutoFit/>
+              </a:bodyPr>
+              <a:lstStyle/>
+              <a:p>
+                <a:r>
+                  <a:rPr lang="en-US" altLang="ko-KR" sz="1200" dirty="0"/>
+                  <a:t>5</a:t>
+                </a:r>
+                <a:endParaRPr lang="ko-KR" altLang="en-US" sz="1200" dirty="0"/>
+              </a:p>
+            </p:txBody>
+          </p:sp>
+        </p:grpSp>
+      </p:grpSp>
+      <p:grpSp>
+        <p:nvGrpSpPr>
+          <p:cNvPr id="26" name="그룹 25">
+            <a:extLst>
+              <a:ext uri="{FF2B5EF4-FFF2-40B4-BE49-F238E27FC236}">
+                <a16:creationId xmlns:a16="http://schemas.microsoft.com/office/drawing/2014/main" id="{9564616F-898F-47A8-82DB-6E0CBB52677D}"/>
+              </a:ext>
+            </a:extLst>
+          </p:cNvPr>
+          <p:cNvGrpSpPr/>
+          <p:nvPr/>
+        </p:nvGrpSpPr>
+        <p:grpSpPr>
+          <a:xfrm>
+            <a:off x="5326171" y="894572"/>
+            <a:ext cx="2961794" cy="5070038"/>
+            <a:chOff x="990994" y="893979"/>
+            <a:chExt cx="2961794" cy="5070038"/>
+          </a:xfrm>
+        </p:grpSpPr>
+        <p:pic>
+          <p:nvPicPr>
+            <p:cNvPr id="27" name="그림 26">
+              <a:extLst>
+                <a:ext uri="{FF2B5EF4-FFF2-40B4-BE49-F238E27FC236}">
+                  <a16:creationId xmlns:a16="http://schemas.microsoft.com/office/drawing/2014/main" id="{103DF3C0-D05D-45B1-9A96-CABAF4D79DAE}"/>
+                </a:ext>
+              </a:extLst>
+            </p:cNvPr>
+            <p:cNvPicPr>
+              <a:picLocks noChangeAspect="1"/>
+            </p:cNvPicPr>
+            <p:nvPr/>
+          </p:nvPicPr>
+          <p:blipFill>
+            <a:blip r:embed="rId2"/>
+            <a:stretch>
+              <a:fillRect/>
+            </a:stretch>
+          </p:blipFill>
+          <p:spPr>
+            <a:xfrm>
+              <a:off x="1395561" y="893981"/>
+              <a:ext cx="2466504" cy="5070036"/>
+            </a:xfrm>
+            <a:prstGeom prst="rect">
+              <a:avLst/>
+            </a:prstGeom>
+            <a:ln>
+              <a:solidFill>
+                <a:schemeClr val="bg2">
+                  <a:lumMod val="50000"/>
+                </a:schemeClr>
+              </a:solidFill>
+            </a:ln>
+          </p:spPr>
+        </p:pic>
+        <p:sp>
+          <p:nvSpPr>
+            <p:cNvPr id="28" name="직사각형 27">
+              <a:extLst>
+                <a:ext uri="{FF2B5EF4-FFF2-40B4-BE49-F238E27FC236}">
+                  <a16:creationId xmlns:a16="http://schemas.microsoft.com/office/drawing/2014/main" id="{8D11BA20-208D-4FF1-99F0-9961EE602BE3}"/>
+                </a:ext>
+              </a:extLst>
+            </p:cNvPr>
+            <p:cNvSpPr/>
+            <p:nvPr/>
+          </p:nvSpPr>
+          <p:spPr>
+            <a:xfrm>
+              <a:off x="1304838" y="1080669"/>
+              <a:ext cx="2647950" cy="788137"/>
+            </a:xfrm>
+            <a:prstGeom prst="rect">
+              <a:avLst/>
+            </a:prstGeom>
+            <a:noFill/>
+            <a:ln w="19050">
+              <a:solidFill>
+                <a:srgbClr val="FF9797"/>
+              </a:solidFill>
+              <a:prstDash val="sysDash"/>
+            </a:ln>
+          </p:spPr>
+          <p:style>
+            <a:lnRef idx="2">
+              <a:schemeClr val="accent1">
+                <a:shade val="50000"/>
+              </a:schemeClr>
+            </a:lnRef>
+            <a:fillRef idx="1">
+              <a:schemeClr val="accent1"/>
+            </a:fillRef>
+            <a:effectRef idx="0">
+              <a:schemeClr val="accent1"/>
+            </a:effectRef>
+            <a:fontRef idx="minor">
+              <a:schemeClr val="lt1"/>
+            </a:fontRef>
+          </p:style>
+          <p:txBody>
+            <a:bodyPr rtlCol="0" anchor="ctr"/>
+            <a:lstStyle/>
+            <a:p>
+              <a:pPr algn="ctr"/>
+              <a:endParaRPr lang="ko-KR" altLang="en-US" dirty="0"/>
+            </a:p>
+          </p:txBody>
+        </p:sp>
+        <p:sp>
+          <p:nvSpPr>
+            <p:cNvPr id="29" name="직사각형 28">
+              <a:extLst>
+                <a:ext uri="{FF2B5EF4-FFF2-40B4-BE49-F238E27FC236}">
+                  <a16:creationId xmlns:a16="http://schemas.microsoft.com/office/drawing/2014/main" id="{BAFF1BC2-73B2-4FA8-A440-16BE20EF00C2}"/>
+                </a:ext>
+              </a:extLst>
+            </p:cNvPr>
+            <p:cNvSpPr/>
+            <p:nvPr/>
+          </p:nvSpPr>
+          <p:spPr>
+            <a:xfrm>
+              <a:off x="1304838" y="1912620"/>
+              <a:ext cx="2647950" cy="462915"/>
+            </a:xfrm>
+            <a:prstGeom prst="rect">
+              <a:avLst/>
+            </a:prstGeom>
+            <a:noFill/>
+            <a:ln w="19050">
+              <a:solidFill>
+                <a:srgbClr val="FF9797"/>
+              </a:solidFill>
+              <a:prstDash val="sysDash"/>
+            </a:ln>
+          </p:spPr>
+          <p:style>
+            <a:lnRef idx="2">
+              <a:schemeClr val="accent1">
+                <a:shade val="50000"/>
+              </a:schemeClr>
+            </a:lnRef>
+            <a:fillRef idx="1">
+              <a:schemeClr val="accent1"/>
+            </a:fillRef>
+            <a:effectRef idx="0">
+              <a:schemeClr val="accent1"/>
+            </a:effectRef>
+            <a:fontRef idx="minor">
+              <a:schemeClr val="lt1"/>
+            </a:fontRef>
+          </p:style>
+          <p:txBody>
+            <a:bodyPr rtlCol="0" anchor="ctr"/>
+            <a:lstStyle/>
+            <a:p>
+              <a:pPr algn="ctr"/>
+              <a:endParaRPr lang="ko-KR" altLang="en-US"/>
+            </a:p>
+          </p:txBody>
+        </p:sp>
+        <p:sp>
+          <p:nvSpPr>
+            <p:cNvPr id="30" name="직사각형 29">
+              <a:extLst>
+                <a:ext uri="{FF2B5EF4-FFF2-40B4-BE49-F238E27FC236}">
+                  <a16:creationId xmlns:a16="http://schemas.microsoft.com/office/drawing/2014/main" id="{F55811F6-D603-4048-9138-C7175EB1195A}"/>
+                </a:ext>
+              </a:extLst>
+            </p:cNvPr>
+            <p:cNvSpPr/>
+            <p:nvPr/>
+          </p:nvSpPr>
+          <p:spPr>
+            <a:xfrm>
+              <a:off x="1304838" y="2419348"/>
+              <a:ext cx="2647950" cy="2205991"/>
+            </a:xfrm>
+            <a:prstGeom prst="rect">
+              <a:avLst/>
+            </a:prstGeom>
+            <a:noFill/>
+            <a:ln w="19050">
+              <a:solidFill>
+                <a:srgbClr val="FF9797"/>
+              </a:solidFill>
+              <a:prstDash val="sysDash"/>
+            </a:ln>
+          </p:spPr>
+          <p:style>
+            <a:lnRef idx="2">
+              <a:schemeClr val="accent1">
+                <a:shade val="50000"/>
+              </a:schemeClr>
+            </a:lnRef>
+            <a:fillRef idx="1">
+              <a:schemeClr val="accent1"/>
+            </a:fillRef>
+            <a:effectRef idx="0">
+              <a:schemeClr val="accent1"/>
+            </a:effectRef>
+            <a:fontRef idx="minor">
+              <a:schemeClr val="lt1"/>
+            </a:fontRef>
+          </p:style>
+          <p:txBody>
+            <a:bodyPr rtlCol="0" anchor="ctr"/>
+            <a:lstStyle/>
+            <a:p>
+              <a:pPr algn="ctr"/>
+              <a:endParaRPr lang="ko-KR" altLang="en-US"/>
+            </a:p>
+          </p:txBody>
+        </p:sp>
+        <p:grpSp>
+          <p:nvGrpSpPr>
+            <p:cNvPr id="31" name="그룹 30">
+              <a:extLst>
+                <a:ext uri="{FF2B5EF4-FFF2-40B4-BE49-F238E27FC236}">
+                  <a16:creationId xmlns:a16="http://schemas.microsoft.com/office/drawing/2014/main" id="{056230D6-5AE6-4AF0-9052-5A8740294B12}"/>
+                </a:ext>
+              </a:extLst>
+            </p:cNvPr>
+            <p:cNvGrpSpPr/>
+            <p:nvPr/>
+          </p:nvGrpSpPr>
+          <p:grpSpPr>
+            <a:xfrm>
+              <a:off x="990994" y="1059714"/>
+              <a:ext cx="264796" cy="276999"/>
+              <a:chOff x="3920489" y="520630"/>
+              <a:chExt cx="264796" cy="276999"/>
+            </a:xfrm>
+          </p:grpSpPr>
+          <p:sp>
+            <p:nvSpPr>
+              <p:cNvPr id="43" name="타원 42">
+                <a:extLst>
+                  <a:ext uri="{FF2B5EF4-FFF2-40B4-BE49-F238E27FC236}">
+                    <a16:creationId xmlns:a16="http://schemas.microsoft.com/office/drawing/2014/main" id="{4F8E9970-CD4A-48DF-942A-78466A5BFDE8}"/>
+                  </a:ext>
+                </a:extLst>
+              </p:cNvPr>
+              <p:cNvSpPr/>
+              <p:nvPr/>
+            </p:nvSpPr>
+            <p:spPr>
+              <a:xfrm>
+                <a:off x="3933825" y="533400"/>
+                <a:ext cx="251460" cy="251460"/>
+              </a:xfrm>
+              <a:prstGeom prst="ellipse">
+                <a:avLst/>
+              </a:prstGeom>
+              <a:solidFill>
+                <a:srgbClr val="FF9797"/>
+              </a:solidFill>
+              <a:ln>
+                <a:noFill/>
+              </a:ln>
+            </p:spPr>
+            <p:style>
+              <a:lnRef idx="2">
+                <a:schemeClr val="accent1">
+                  <a:shade val="50000"/>
+                </a:schemeClr>
+              </a:lnRef>
+              <a:fillRef idx="1">
+                <a:schemeClr val="accent1"/>
+              </a:fillRef>
+              <a:effectRef idx="0">
+                <a:schemeClr val="accent1"/>
+              </a:effectRef>
+              <a:fontRef idx="minor">
+                <a:schemeClr val="lt1"/>
+              </a:fontRef>
+            </p:style>
+            <p:txBody>
+              <a:bodyPr rtlCol="0" anchor="ctr"/>
+              <a:lstStyle/>
+              <a:p>
+                <a:pPr algn="ctr"/>
+                <a:endParaRPr lang="ko-KR" altLang="en-US"/>
+              </a:p>
+            </p:txBody>
+          </p:sp>
+          <p:sp>
+            <p:nvSpPr>
+              <p:cNvPr id="44" name="TextBox 43">
+                <a:extLst>
+                  <a:ext uri="{FF2B5EF4-FFF2-40B4-BE49-F238E27FC236}">
+                    <a16:creationId xmlns:a16="http://schemas.microsoft.com/office/drawing/2014/main" id="{72450536-5534-4814-B51C-22E2A9C45E6D}"/>
+                  </a:ext>
+                </a:extLst>
+              </p:cNvPr>
+              <p:cNvSpPr txBox="1"/>
+              <p:nvPr/>
+            </p:nvSpPr>
+            <p:spPr>
+              <a:xfrm>
+                <a:off x="3920489" y="520630"/>
+                <a:ext cx="264795" cy="276999"/>
+              </a:xfrm>
+              <a:prstGeom prst="rect">
+                <a:avLst/>
+              </a:prstGeom>
+              <a:noFill/>
+            </p:spPr>
+            <p:txBody>
+              <a:bodyPr wrap="square" rtlCol="0">
+                <a:spAutoFit/>
+              </a:bodyPr>
+              <a:lstStyle/>
+              <a:p>
+                <a:r>
+                  <a:rPr lang="en-US" altLang="ko-KR" sz="1200" dirty="0"/>
+                  <a:t>1</a:t>
+                </a:r>
+                <a:endParaRPr lang="ko-KR" altLang="en-US" sz="1200" dirty="0"/>
+              </a:p>
+            </p:txBody>
+          </p:sp>
+        </p:grpSp>
+        <p:grpSp>
+          <p:nvGrpSpPr>
+            <p:cNvPr id="32" name="그룹 31">
+              <a:extLst>
+                <a:ext uri="{FF2B5EF4-FFF2-40B4-BE49-F238E27FC236}">
+                  <a16:creationId xmlns:a16="http://schemas.microsoft.com/office/drawing/2014/main" id="{8E86964C-EE5C-4282-AADD-F13B7395AFBB}"/>
+                </a:ext>
+              </a:extLst>
+            </p:cNvPr>
+            <p:cNvGrpSpPr/>
+            <p:nvPr/>
+          </p:nvGrpSpPr>
+          <p:grpSpPr>
+            <a:xfrm>
+              <a:off x="1004330" y="1867078"/>
+              <a:ext cx="264796" cy="276999"/>
+              <a:chOff x="3920489" y="520630"/>
+              <a:chExt cx="264796" cy="276999"/>
+            </a:xfrm>
+          </p:grpSpPr>
+          <p:sp>
+            <p:nvSpPr>
+              <p:cNvPr id="41" name="타원 40">
+                <a:extLst>
+                  <a:ext uri="{FF2B5EF4-FFF2-40B4-BE49-F238E27FC236}">
+                    <a16:creationId xmlns:a16="http://schemas.microsoft.com/office/drawing/2014/main" id="{1354B16C-5128-4C49-B722-CA1298DC122B}"/>
+                  </a:ext>
+                </a:extLst>
+              </p:cNvPr>
+              <p:cNvSpPr/>
+              <p:nvPr/>
+            </p:nvSpPr>
+            <p:spPr>
+              <a:xfrm>
+                <a:off x="3933825" y="533400"/>
+                <a:ext cx="251460" cy="251460"/>
+              </a:xfrm>
+              <a:prstGeom prst="ellipse">
+                <a:avLst/>
+              </a:prstGeom>
+              <a:solidFill>
+                <a:srgbClr val="FF9797"/>
+              </a:solidFill>
+              <a:ln>
+                <a:noFill/>
+              </a:ln>
+            </p:spPr>
+            <p:style>
+              <a:lnRef idx="2">
+                <a:schemeClr val="accent1">
+                  <a:shade val="50000"/>
+                </a:schemeClr>
+              </a:lnRef>
+              <a:fillRef idx="1">
+                <a:schemeClr val="accent1"/>
+              </a:fillRef>
+              <a:effectRef idx="0">
+                <a:schemeClr val="accent1"/>
+              </a:effectRef>
+              <a:fontRef idx="minor">
+                <a:schemeClr val="lt1"/>
+              </a:fontRef>
+            </p:style>
+            <p:txBody>
+              <a:bodyPr rtlCol="0" anchor="ctr"/>
+              <a:lstStyle/>
+              <a:p>
+                <a:pPr algn="ctr"/>
+                <a:endParaRPr lang="ko-KR" altLang="en-US"/>
+              </a:p>
+            </p:txBody>
+          </p:sp>
+          <p:sp>
+            <p:nvSpPr>
+              <p:cNvPr id="42" name="TextBox 41">
+                <a:extLst>
+                  <a:ext uri="{FF2B5EF4-FFF2-40B4-BE49-F238E27FC236}">
+                    <a16:creationId xmlns:a16="http://schemas.microsoft.com/office/drawing/2014/main" id="{4DF72B91-9096-484F-9B74-257F8ACA5CC0}"/>
+                  </a:ext>
+                </a:extLst>
+              </p:cNvPr>
+              <p:cNvSpPr txBox="1"/>
+              <p:nvPr/>
+            </p:nvSpPr>
+            <p:spPr>
+              <a:xfrm>
+                <a:off x="3920489" y="520630"/>
+                <a:ext cx="264795" cy="276999"/>
+              </a:xfrm>
+              <a:prstGeom prst="rect">
+                <a:avLst/>
+              </a:prstGeom>
+              <a:noFill/>
+            </p:spPr>
+            <p:txBody>
+              <a:bodyPr wrap="square" rtlCol="0">
+                <a:spAutoFit/>
+              </a:bodyPr>
+              <a:lstStyle/>
+              <a:p>
+                <a:r>
+                  <a:rPr lang="en-US" altLang="ko-KR" sz="1200" dirty="0"/>
+                  <a:t>2</a:t>
+                </a:r>
+                <a:endParaRPr lang="ko-KR" altLang="en-US" sz="1200" dirty="0"/>
+              </a:p>
+            </p:txBody>
+          </p:sp>
+        </p:grpSp>
+        <p:grpSp>
+          <p:nvGrpSpPr>
+            <p:cNvPr id="33" name="그룹 32">
+              <a:extLst>
+                <a:ext uri="{FF2B5EF4-FFF2-40B4-BE49-F238E27FC236}">
+                  <a16:creationId xmlns:a16="http://schemas.microsoft.com/office/drawing/2014/main" id="{4F66169E-AAA7-48F3-B2B0-51A8A0089785}"/>
+                </a:ext>
+              </a:extLst>
+            </p:cNvPr>
+            <p:cNvGrpSpPr/>
+            <p:nvPr/>
+          </p:nvGrpSpPr>
+          <p:grpSpPr>
+            <a:xfrm>
+              <a:off x="1017665" y="2419348"/>
+              <a:ext cx="251461" cy="276999"/>
+              <a:chOff x="3933824" y="520630"/>
+              <a:chExt cx="251461" cy="276999"/>
+            </a:xfrm>
+          </p:grpSpPr>
+          <p:sp>
+            <p:nvSpPr>
+              <p:cNvPr id="39" name="타원 38">
+                <a:extLst>
+                  <a:ext uri="{FF2B5EF4-FFF2-40B4-BE49-F238E27FC236}">
+                    <a16:creationId xmlns:a16="http://schemas.microsoft.com/office/drawing/2014/main" id="{AC0AE644-7A01-4D74-BE74-E0CC188B5B40}"/>
+                  </a:ext>
+                </a:extLst>
+              </p:cNvPr>
+              <p:cNvSpPr/>
+              <p:nvPr/>
+            </p:nvSpPr>
+            <p:spPr>
+              <a:xfrm>
+                <a:off x="3933825" y="533400"/>
+                <a:ext cx="251460" cy="251460"/>
+              </a:xfrm>
+              <a:prstGeom prst="ellipse">
+                <a:avLst/>
+              </a:prstGeom>
+              <a:solidFill>
+                <a:srgbClr val="FF9797"/>
+              </a:solidFill>
+              <a:ln>
+                <a:noFill/>
+              </a:ln>
+            </p:spPr>
+            <p:style>
+              <a:lnRef idx="2">
+                <a:schemeClr val="accent1">
+                  <a:shade val="50000"/>
+                </a:schemeClr>
+              </a:lnRef>
+              <a:fillRef idx="1">
+                <a:schemeClr val="accent1"/>
+              </a:fillRef>
+              <a:effectRef idx="0">
+                <a:schemeClr val="accent1"/>
+              </a:effectRef>
+              <a:fontRef idx="minor">
+                <a:schemeClr val="lt1"/>
+              </a:fontRef>
+            </p:style>
+            <p:txBody>
+              <a:bodyPr rtlCol="0" anchor="ctr"/>
+              <a:lstStyle/>
+              <a:p>
+                <a:pPr algn="ctr"/>
+                <a:endParaRPr lang="ko-KR" altLang="en-US"/>
+              </a:p>
+            </p:txBody>
+          </p:sp>
+          <p:sp>
+            <p:nvSpPr>
+              <p:cNvPr id="40" name="TextBox 39">
+                <a:extLst>
+                  <a:ext uri="{FF2B5EF4-FFF2-40B4-BE49-F238E27FC236}">
+                    <a16:creationId xmlns:a16="http://schemas.microsoft.com/office/drawing/2014/main" id="{706C10FF-4E75-40F0-A4F4-E54CE36D54C5}"/>
+                  </a:ext>
+                </a:extLst>
+              </p:cNvPr>
+              <p:cNvSpPr txBox="1"/>
+              <p:nvPr/>
+            </p:nvSpPr>
+            <p:spPr>
+              <a:xfrm>
+                <a:off x="3933824" y="520630"/>
+                <a:ext cx="251460" cy="276999"/>
+              </a:xfrm>
+              <a:prstGeom prst="rect">
+                <a:avLst/>
+              </a:prstGeom>
+              <a:noFill/>
+            </p:spPr>
+            <p:txBody>
+              <a:bodyPr wrap="square" rtlCol="0">
+                <a:spAutoFit/>
+              </a:bodyPr>
+              <a:lstStyle/>
+              <a:p>
+                <a:r>
+                  <a:rPr lang="en-US" altLang="ko-KR" sz="1200" dirty="0"/>
+                  <a:t>3</a:t>
+                </a:r>
+                <a:endParaRPr lang="ko-KR" altLang="en-US" sz="1200" dirty="0"/>
+              </a:p>
+            </p:txBody>
+          </p:sp>
+        </p:grpSp>
+        <p:sp>
+          <p:nvSpPr>
+            <p:cNvPr id="34" name="직사각형 33">
+              <a:extLst>
+                <a:ext uri="{FF2B5EF4-FFF2-40B4-BE49-F238E27FC236}">
+                  <a16:creationId xmlns:a16="http://schemas.microsoft.com/office/drawing/2014/main" id="{62C2EAF6-0F2D-4518-A6B5-A4263677773A}"/>
+                </a:ext>
+              </a:extLst>
+            </p:cNvPr>
+            <p:cNvSpPr/>
+            <p:nvPr/>
+          </p:nvSpPr>
+          <p:spPr>
+            <a:xfrm>
+              <a:off x="1304838" y="5211254"/>
+              <a:ext cx="2647950" cy="530417"/>
+            </a:xfrm>
+            <a:prstGeom prst="rect">
+              <a:avLst/>
+            </a:prstGeom>
+            <a:noFill/>
+            <a:ln w="19050">
+              <a:solidFill>
+                <a:srgbClr val="FF9797"/>
+              </a:solidFill>
+              <a:prstDash val="sysDash"/>
+            </a:ln>
+          </p:spPr>
+          <p:style>
+            <a:lnRef idx="2">
+              <a:schemeClr val="accent1">
+                <a:shade val="50000"/>
+              </a:schemeClr>
+            </a:lnRef>
+            <a:fillRef idx="1">
+              <a:schemeClr val="accent1"/>
+            </a:fillRef>
+            <a:effectRef idx="0">
+              <a:schemeClr val="accent1"/>
+            </a:effectRef>
+            <a:fontRef idx="minor">
+              <a:schemeClr val="lt1"/>
+            </a:fontRef>
+          </p:style>
+          <p:txBody>
+            <a:bodyPr rtlCol="0" anchor="ctr"/>
+            <a:lstStyle/>
+            <a:p>
+              <a:pPr algn="ctr"/>
+              <a:endParaRPr lang="ko-KR" altLang="en-US" dirty="0"/>
+            </a:p>
+          </p:txBody>
+        </p:sp>
+        <p:grpSp>
+          <p:nvGrpSpPr>
+            <p:cNvPr id="35" name="그룹 34">
+              <a:extLst>
+                <a:ext uri="{FF2B5EF4-FFF2-40B4-BE49-F238E27FC236}">
+                  <a16:creationId xmlns:a16="http://schemas.microsoft.com/office/drawing/2014/main" id="{908B1F3D-2873-408A-81BB-8F944E7EFD37}"/>
+                </a:ext>
+              </a:extLst>
+            </p:cNvPr>
+            <p:cNvGrpSpPr/>
+            <p:nvPr/>
+          </p:nvGrpSpPr>
+          <p:grpSpPr>
+            <a:xfrm>
+              <a:off x="990994" y="5190299"/>
+              <a:ext cx="264796" cy="276999"/>
+              <a:chOff x="3920489" y="520630"/>
+              <a:chExt cx="264796" cy="276999"/>
+            </a:xfrm>
+          </p:grpSpPr>
+          <p:sp>
+            <p:nvSpPr>
+              <p:cNvPr id="37" name="타원 36">
+                <a:extLst>
+                  <a:ext uri="{FF2B5EF4-FFF2-40B4-BE49-F238E27FC236}">
+                    <a16:creationId xmlns:a16="http://schemas.microsoft.com/office/drawing/2014/main" id="{40502BE0-D088-4193-B318-88A354758A91}"/>
+                  </a:ext>
+                </a:extLst>
+              </p:cNvPr>
+              <p:cNvSpPr/>
+              <p:nvPr/>
+            </p:nvSpPr>
+            <p:spPr>
+              <a:xfrm>
+                <a:off x="3933825" y="533400"/>
+                <a:ext cx="251460" cy="251460"/>
+              </a:xfrm>
+              <a:prstGeom prst="ellipse">
+                <a:avLst/>
+              </a:prstGeom>
+              <a:solidFill>
+                <a:srgbClr val="FF9797"/>
+              </a:solidFill>
+              <a:ln>
+                <a:noFill/>
+              </a:ln>
+            </p:spPr>
+            <p:style>
+              <a:lnRef idx="2">
+                <a:schemeClr val="accent1">
+                  <a:shade val="50000"/>
+                </a:schemeClr>
+              </a:lnRef>
+              <a:fillRef idx="1">
+                <a:schemeClr val="accent1"/>
+              </a:fillRef>
+              <a:effectRef idx="0">
+                <a:schemeClr val="accent1"/>
+              </a:effectRef>
+              <a:fontRef idx="minor">
+                <a:schemeClr val="lt1"/>
+              </a:fontRef>
+            </p:style>
+            <p:txBody>
+              <a:bodyPr rtlCol="0" anchor="ctr"/>
+              <a:lstStyle/>
+              <a:p>
+                <a:pPr algn="ctr"/>
+                <a:endParaRPr lang="ko-KR" altLang="en-US"/>
+              </a:p>
+            </p:txBody>
+          </p:sp>
+          <p:sp>
+            <p:nvSpPr>
+              <p:cNvPr id="38" name="TextBox 37">
+                <a:extLst>
+                  <a:ext uri="{FF2B5EF4-FFF2-40B4-BE49-F238E27FC236}">
+                    <a16:creationId xmlns:a16="http://schemas.microsoft.com/office/drawing/2014/main" id="{64B31BD7-79FE-409C-BDA2-AC059C4ABD43}"/>
+                  </a:ext>
+                </a:extLst>
+              </p:cNvPr>
+              <p:cNvSpPr txBox="1"/>
+              <p:nvPr/>
+            </p:nvSpPr>
+            <p:spPr>
+              <a:xfrm>
+                <a:off x="3920489" y="520630"/>
+                <a:ext cx="264795" cy="276999"/>
+              </a:xfrm>
+              <a:prstGeom prst="rect">
+                <a:avLst/>
+              </a:prstGeom>
+              <a:noFill/>
+            </p:spPr>
+            <p:txBody>
+              <a:bodyPr wrap="square" rtlCol="0">
+                <a:spAutoFit/>
+              </a:bodyPr>
+              <a:lstStyle/>
+              <a:p>
+                <a:r>
+                  <a:rPr lang="en-US" altLang="ko-KR" sz="1200" dirty="0"/>
+                  <a:t>4</a:t>
+                </a:r>
+                <a:endParaRPr lang="ko-KR" altLang="en-US" sz="1200" dirty="0"/>
+              </a:p>
+            </p:txBody>
+          </p:sp>
+        </p:grpSp>
+        <p:pic>
+          <p:nvPicPr>
+            <p:cNvPr id="36" name="그림 35">
+              <a:extLst>
+                <a:ext uri="{FF2B5EF4-FFF2-40B4-BE49-F238E27FC236}">
+                  <a16:creationId xmlns:a16="http://schemas.microsoft.com/office/drawing/2014/main" id="{0C8D8378-BEAD-49F5-B0BB-DF8FDEE1CA53}"/>
+                </a:ext>
+              </a:extLst>
+            </p:cNvPr>
+            <p:cNvPicPr>
+              <a:picLocks noChangeAspect="1"/>
+            </p:cNvPicPr>
+            <p:nvPr/>
+          </p:nvPicPr>
+          <p:blipFill rotWithShape="1">
+            <a:blip r:embed="rId3">
+              <a:extLst>
+                <a:ext uri="{28A0092B-C50C-407E-A947-70E740481C1C}">
+                  <a14:useLocalDpi xmlns:a14="http://schemas.microsoft.com/office/drawing/2010/main" val="0"/>
+                </a:ext>
+              </a:extLst>
+            </a:blip>
+            <a:srcRect r="49283" b="97598"/>
+            <a:stretch/>
+          </p:blipFill>
+          <p:spPr>
+            <a:xfrm>
+              <a:off x="1452171" y="893979"/>
+              <a:ext cx="1250924" cy="121754"/>
+            </a:xfrm>
+            <a:prstGeom prst="rect">
+              <a:avLst/>
+            </a:prstGeom>
+            <a:ln>
+              <a:noFill/>
+            </a:ln>
+          </p:spPr>
+        </p:pic>
+      </p:grpSp>
+      <p:grpSp>
+        <p:nvGrpSpPr>
+          <p:cNvPr id="45" name="그룹 44">
+            <a:extLst>
+              <a:ext uri="{FF2B5EF4-FFF2-40B4-BE49-F238E27FC236}">
+                <a16:creationId xmlns:a16="http://schemas.microsoft.com/office/drawing/2014/main" id="{4743B5D7-01B9-4804-879B-D3F654A31671}"/>
+              </a:ext>
+            </a:extLst>
+          </p:cNvPr>
+          <p:cNvGrpSpPr/>
+          <p:nvPr/>
+        </p:nvGrpSpPr>
+        <p:grpSpPr>
+          <a:xfrm>
+            <a:off x="8551671" y="3079666"/>
+            <a:ext cx="2866234" cy="1189028"/>
+            <a:chOff x="979924" y="1157051"/>
+            <a:chExt cx="2866234" cy="1189028"/>
+          </a:xfrm>
+        </p:grpSpPr>
+        <p:pic>
+          <p:nvPicPr>
+            <p:cNvPr id="46" name="그림 45">
+              <a:extLst>
+                <a:ext uri="{FF2B5EF4-FFF2-40B4-BE49-F238E27FC236}">
+                  <a16:creationId xmlns:a16="http://schemas.microsoft.com/office/drawing/2014/main" id="{716ED217-711B-4BF9-90F2-F6DD0CE00A70}"/>
+                </a:ext>
+              </a:extLst>
+            </p:cNvPr>
+            <p:cNvPicPr>
+              <a:picLocks noChangeAspect="1"/>
+            </p:cNvPicPr>
+            <p:nvPr/>
+          </p:nvPicPr>
+          <p:blipFill rotWithShape="1">
+            <a:blip r:embed="rId2"/>
+            <a:srcRect t="43150" b="36007"/>
+            <a:stretch/>
+          </p:blipFill>
+          <p:spPr>
+            <a:xfrm>
+              <a:off x="1282461" y="1289369"/>
+              <a:ext cx="2466504" cy="1056710"/>
+            </a:xfrm>
+            <a:prstGeom prst="rect">
+              <a:avLst/>
+            </a:prstGeom>
+            <a:ln>
+              <a:solidFill>
+                <a:schemeClr val="bg2">
+                  <a:lumMod val="50000"/>
+                </a:schemeClr>
+              </a:solidFill>
+            </a:ln>
+          </p:spPr>
+        </p:pic>
+        <p:sp>
+          <p:nvSpPr>
+            <p:cNvPr id="47" name="직사각형 46">
+              <a:extLst>
+                <a:ext uri="{FF2B5EF4-FFF2-40B4-BE49-F238E27FC236}">
+                  <a16:creationId xmlns:a16="http://schemas.microsoft.com/office/drawing/2014/main" id="{61CA08DC-2435-44CA-B960-7A8F06B722C3}"/>
+                </a:ext>
+              </a:extLst>
+            </p:cNvPr>
+            <p:cNvSpPr/>
+            <p:nvPr/>
+          </p:nvSpPr>
+          <p:spPr>
+            <a:xfrm>
+              <a:off x="1198207" y="1797439"/>
+              <a:ext cx="2647951" cy="548640"/>
+            </a:xfrm>
+            <a:prstGeom prst="rect">
+              <a:avLst/>
+            </a:prstGeom>
+            <a:noFill/>
+            <a:ln w="19050">
+              <a:solidFill>
+                <a:srgbClr val="FF9797"/>
+              </a:solidFill>
+              <a:prstDash val="sysDash"/>
+            </a:ln>
+          </p:spPr>
+          <p:style>
+            <a:lnRef idx="2">
+              <a:schemeClr val="accent1">
+                <a:shade val="50000"/>
+              </a:schemeClr>
+            </a:lnRef>
+            <a:fillRef idx="1">
+              <a:schemeClr val="accent1"/>
+            </a:fillRef>
+            <a:effectRef idx="0">
+              <a:schemeClr val="accent1"/>
+            </a:effectRef>
+            <a:fontRef idx="minor">
+              <a:schemeClr val="lt1"/>
+            </a:fontRef>
+          </p:style>
+          <p:txBody>
+            <a:bodyPr rtlCol="0" anchor="ctr"/>
+            <a:lstStyle/>
+            <a:p>
+              <a:pPr algn="ctr"/>
+              <a:endParaRPr lang="ko-KR" altLang="en-US"/>
+            </a:p>
+          </p:txBody>
+        </p:sp>
+        <p:grpSp>
+          <p:nvGrpSpPr>
+            <p:cNvPr id="48" name="그룹 47">
+              <a:extLst>
+                <a:ext uri="{FF2B5EF4-FFF2-40B4-BE49-F238E27FC236}">
+                  <a16:creationId xmlns:a16="http://schemas.microsoft.com/office/drawing/2014/main" id="{3F30560E-FE5F-44B0-AB01-6AB7260AB3B1}"/>
+                </a:ext>
+              </a:extLst>
+            </p:cNvPr>
+            <p:cNvGrpSpPr/>
+            <p:nvPr/>
+          </p:nvGrpSpPr>
+          <p:grpSpPr>
+            <a:xfrm>
+              <a:off x="1152256" y="1441630"/>
+              <a:ext cx="176156" cy="230832"/>
+              <a:chOff x="3933823" y="494376"/>
+              <a:chExt cx="251462" cy="329510"/>
+            </a:xfrm>
+          </p:grpSpPr>
+          <p:sp>
+            <p:nvSpPr>
+              <p:cNvPr id="61" name="타원 60">
+                <a:extLst>
+                  <a:ext uri="{FF2B5EF4-FFF2-40B4-BE49-F238E27FC236}">
+                    <a16:creationId xmlns:a16="http://schemas.microsoft.com/office/drawing/2014/main" id="{1E3BF1E5-F41F-4929-926A-F42469D99001}"/>
+                  </a:ext>
+                </a:extLst>
+              </p:cNvPr>
+              <p:cNvSpPr/>
+              <p:nvPr/>
+            </p:nvSpPr>
+            <p:spPr>
+              <a:xfrm>
+                <a:off x="3933825" y="533400"/>
+                <a:ext cx="251460" cy="251460"/>
+              </a:xfrm>
+              <a:prstGeom prst="ellipse">
+                <a:avLst/>
+              </a:prstGeom>
+              <a:solidFill>
+                <a:srgbClr val="FF9797"/>
+              </a:solidFill>
+              <a:ln>
+                <a:noFill/>
+              </a:ln>
+            </p:spPr>
+            <p:style>
+              <a:lnRef idx="2">
+                <a:schemeClr val="accent1">
+                  <a:shade val="50000"/>
+                </a:schemeClr>
+              </a:lnRef>
+              <a:fillRef idx="1">
+                <a:schemeClr val="accent1"/>
+              </a:fillRef>
+              <a:effectRef idx="0">
+                <a:schemeClr val="accent1"/>
+              </a:effectRef>
+              <a:fontRef idx="minor">
+                <a:schemeClr val="lt1"/>
+              </a:fontRef>
+            </p:style>
+            <p:txBody>
+              <a:bodyPr rtlCol="0" anchor="ctr"/>
+              <a:lstStyle/>
+              <a:p>
+                <a:pPr algn="ctr"/>
+                <a:endParaRPr lang="ko-KR" altLang="en-US"/>
+              </a:p>
+            </p:txBody>
+          </p:sp>
+          <p:sp>
+            <p:nvSpPr>
+              <p:cNvPr id="62" name="TextBox 61">
+                <a:extLst>
+                  <a:ext uri="{FF2B5EF4-FFF2-40B4-BE49-F238E27FC236}">
+                    <a16:creationId xmlns:a16="http://schemas.microsoft.com/office/drawing/2014/main" id="{A53FE291-9F53-4222-AF34-01F6422E3FD2}"/>
+                  </a:ext>
+                </a:extLst>
+              </p:cNvPr>
+              <p:cNvSpPr txBox="1"/>
+              <p:nvPr/>
+            </p:nvSpPr>
+            <p:spPr>
+              <a:xfrm>
+                <a:off x="3933823" y="494376"/>
+                <a:ext cx="251462" cy="329510"/>
+              </a:xfrm>
+              <a:prstGeom prst="rect">
+                <a:avLst/>
+              </a:prstGeom>
+              <a:noFill/>
+            </p:spPr>
+            <p:txBody>
+              <a:bodyPr wrap="square" rtlCol="0">
+                <a:spAutoFit/>
+              </a:bodyPr>
+              <a:lstStyle/>
+              <a:p>
+                <a:pPr algn="ctr"/>
+                <a:r>
+                  <a:rPr lang="en-US" altLang="ko-KR" sz="900" dirty="0"/>
+                  <a:t>1</a:t>
+                </a:r>
+                <a:endParaRPr lang="ko-KR" altLang="en-US" sz="900" dirty="0"/>
+              </a:p>
+            </p:txBody>
+          </p:sp>
+        </p:grpSp>
+        <p:sp>
+          <p:nvSpPr>
+            <p:cNvPr id="49" name="직사각형 48">
+              <a:extLst>
+                <a:ext uri="{FF2B5EF4-FFF2-40B4-BE49-F238E27FC236}">
+                  <a16:creationId xmlns:a16="http://schemas.microsoft.com/office/drawing/2014/main" id="{0A21DC31-3023-4B62-84A5-759F8A2987EB}"/>
+                </a:ext>
+              </a:extLst>
+            </p:cNvPr>
+            <p:cNvSpPr/>
+            <p:nvPr/>
+          </p:nvSpPr>
+          <p:spPr>
+            <a:xfrm>
+              <a:off x="1362668" y="1568291"/>
+              <a:ext cx="360878" cy="135520"/>
+            </a:xfrm>
+            <a:prstGeom prst="rect">
+              <a:avLst/>
+            </a:prstGeom>
+            <a:noFill/>
+            <a:ln w="19050">
+              <a:solidFill>
+                <a:srgbClr val="FF9797"/>
+              </a:solidFill>
+              <a:prstDash val="sysDash"/>
+            </a:ln>
+          </p:spPr>
+          <p:style>
+            <a:lnRef idx="2">
+              <a:schemeClr val="accent1">
+                <a:shade val="50000"/>
+              </a:schemeClr>
+            </a:lnRef>
+            <a:fillRef idx="1">
+              <a:schemeClr val="accent1"/>
+            </a:fillRef>
+            <a:effectRef idx="0">
+              <a:schemeClr val="accent1"/>
+            </a:effectRef>
+            <a:fontRef idx="minor">
+              <a:schemeClr val="lt1"/>
+            </a:fontRef>
+          </p:style>
+          <p:txBody>
+            <a:bodyPr rtlCol="0" anchor="ctr"/>
+            <a:lstStyle/>
+            <a:p>
+              <a:pPr algn="ctr"/>
+              <a:endParaRPr lang="ko-KR" altLang="en-US"/>
+            </a:p>
+          </p:txBody>
+        </p:sp>
+        <p:grpSp>
+          <p:nvGrpSpPr>
+            <p:cNvPr id="50" name="그룹 49">
+              <a:extLst>
+                <a:ext uri="{FF2B5EF4-FFF2-40B4-BE49-F238E27FC236}">
+                  <a16:creationId xmlns:a16="http://schemas.microsoft.com/office/drawing/2014/main" id="{EF892E3E-6804-4275-854F-054E0C421250}"/>
+                </a:ext>
+              </a:extLst>
+            </p:cNvPr>
+            <p:cNvGrpSpPr/>
+            <p:nvPr/>
+          </p:nvGrpSpPr>
+          <p:grpSpPr>
+            <a:xfrm>
+              <a:off x="1834599" y="1163345"/>
+              <a:ext cx="176156" cy="230832"/>
+              <a:chOff x="3933823" y="494376"/>
+              <a:chExt cx="251462" cy="329510"/>
+            </a:xfrm>
+          </p:grpSpPr>
+          <p:sp>
+            <p:nvSpPr>
+              <p:cNvPr id="59" name="타원 58">
+                <a:extLst>
+                  <a:ext uri="{FF2B5EF4-FFF2-40B4-BE49-F238E27FC236}">
+                    <a16:creationId xmlns:a16="http://schemas.microsoft.com/office/drawing/2014/main" id="{89A6EBCB-1EE4-481A-A3B9-EDC6673348D1}"/>
+                  </a:ext>
+                </a:extLst>
+              </p:cNvPr>
+              <p:cNvSpPr/>
+              <p:nvPr/>
+            </p:nvSpPr>
+            <p:spPr>
+              <a:xfrm>
+                <a:off x="3933825" y="533400"/>
+                <a:ext cx="251460" cy="251460"/>
+              </a:xfrm>
+              <a:prstGeom prst="ellipse">
+                <a:avLst/>
+              </a:prstGeom>
+              <a:solidFill>
+                <a:srgbClr val="FF9797"/>
+              </a:solidFill>
+              <a:ln>
+                <a:noFill/>
+              </a:ln>
+            </p:spPr>
+            <p:style>
+              <a:lnRef idx="2">
+                <a:schemeClr val="accent1">
+                  <a:shade val="50000"/>
+                </a:schemeClr>
+              </a:lnRef>
+              <a:fillRef idx="1">
+                <a:schemeClr val="accent1"/>
+              </a:fillRef>
+              <a:effectRef idx="0">
+                <a:schemeClr val="accent1"/>
+              </a:effectRef>
+              <a:fontRef idx="minor">
+                <a:schemeClr val="lt1"/>
+              </a:fontRef>
+            </p:style>
+            <p:txBody>
+              <a:bodyPr rtlCol="0" anchor="ctr"/>
+              <a:lstStyle/>
+              <a:p>
+                <a:pPr algn="ctr"/>
+                <a:endParaRPr lang="ko-KR" altLang="en-US"/>
+              </a:p>
+            </p:txBody>
+          </p:sp>
+          <p:sp>
+            <p:nvSpPr>
+              <p:cNvPr id="60" name="TextBox 59">
+                <a:extLst>
+                  <a:ext uri="{FF2B5EF4-FFF2-40B4-BE49-F238E27FC236}">
+                    <a16:creationId xmlns:a16="http://schemas.microsoft.com/office/drawing/2014/main" id="{67E60B18-C478-484A-B914-183E97FE51B5}"/>
+                  </a:ext>
+                </a:extLst>
+              </p:cNvPr>
+              <p:cNvSpPr txBox="1"/>
+              <p:nvPr/>
+            </p:nvSpPr>
+            <p:spPr>
+              <a:xfrm>
+                <a:off x="3933823" y="494376"/>
+                <a:ext cx="251462" cy="329510"/>
+              </a:xfrm>
+              <a:prstGeom prst="rect">
+                <a:avLst/>
+              </a:prstGeom>
+              <a:noFill/>
+            </p:spPr>
+            <p:txBody>
+              <a:bodyPr wrap="square" rtlCol="0">
+                <a:spAutoFit/>
+              </a:bodyPr>
+              <a:lstStyle/>
+              <a:p>
+                <a:pPr algn="ctr"/>
+                <a:r>
+                  <a:rPr lang="en-US" altLang="ko-KR" sz="900" dirty="0"/>
+                  <a:t>2</a:t>
+                </a:r>
+                <a:endParaRPr lang="ko-KR" altLang="en-US" sz="900" dirty="0"/>
+              </a:p>
+            </p:txBody>
+          </p:sp>
+        </p:grpSp>
+        <p:grpSp>
+          <p:nvGrpSpPr>
+            <p:cNvPr id="51" name="그룹 50">
+              <a:extLst>
+                <a:ext uri="{FF2B5EF4-FFF2-40B4-BE49-F238E27FC236}">
+                  <a16:creationId xmlns:a16="http://schemas.microsoft.com/office/drawing/2014/main" id="{C8E768D1-31AB-4CF9-A826-3826BA469889}"/>
+                </a:ext>
+              </a:extLst>
+            </p:cNvPr>
+            <p:cNvGrpSpPr/>
+            <p:nvPr/>
+          </p:nvGrpSpPr>
+          <p:grpSpPr>
+            <a:xfrm>
+              <a:off x="2581896" y="1157051"/>
+              <a:ext cx="176156" cy="230832"/>
+              <a:chOff x="3933823" y="494376"/>
+              <a:chExt cx="251462" cy="329510"/>
+            </a:xfrm>
+          </p:grpSpPr>
+          <p:sp>
+            <p:nvSpPr>
+              <p:cNvPr id="57" name="타원 56">
+                <a:extLst>
+                  <a:ext uri="{FF2B5EF4-FFF2-40B4-BE49-F238E27FC236}">
+                    <a16:creationId xmlns:a16="http://schemas.microsoft.com/office/drawing/2014/main" id="{4430B9C9-927E-4F75-B498-5D4434C57385}"/>
+                  </a:ext>
+                </a:extLst>
+              </p:cNvPr>
+              <p:cNvSpPr/>
+              <p:nvPr/>
+            </p:nvSpPr>
+            <p:spPr>
+              <a:xfrm>
+                <a:off x="3933825" y="533400"/>
+                <a:ext cx="251460" cy="251460"/>
+              </a:xfrm>
+              <a:prstGeom prst="ellipse">
+                <a:avLst/>
+              </a:prstGeom>
+              <a:solidFill>
+                <a:srgbClr val="FF9797"/>
+              </a:solidFill>
+              <a:ln>
+                <a:noFill/>
+              </a:ln>
+            </p:spPr>
+            <p:style>
+              <a:lnRef idx="2">
+                <a:schemeClr val="accent1">
+                  <a:shade val="50000"/>
+                </a:schemeClr>
+              </a:lnRef>
+              <a:fillRef idx="1">
+                <a:schemeClr val="accent1"/>
+              </a:fillRef>
+              <a:effectRef idx="0">
+                <a:schemeClr val="accent1"/>
+              </a:effectRef>
+              <a:fontRef idx="minor">
+                <a:schemeClr val="lt1"/>
+              </a:fontRef>
+            </p:style>
+            <p:txBody>
+              <a:bodyPr rtlCol="0" anchor="ctr"/>
+              <a:lstStyle/>
+              <a:p>
+                <a:pPr algn="ctr"/>
+                <a:endParaRPr lang="ko-KR" altLang="en-US"/>
+              </a:p>
+            </p:txBody>
+          </p:sp>
+          <p:sp>
+            <p:nvSpPr>
+              <p:cNvPr id="58" name="TextBox 57">
+                <a:extLst>
+                  <a:ext uri="{FF2B5EF4-FFF2-40B4-BE49-F238E27FC236}">
+                    <a16:creationId xmlns:a16="http://schemas.microsoft.com/office/drawing/2014/main" id="{8CFF192C-5624-412A-9EB1-4F69B50C0BFB}"/>
+                  </a:ext>
+                </a:extLst>
+              </p:cNvPr>
+              <p:cNvSpPr txBox="1"/>
+              <p:nvPr/>
+            </p:nvSpPr>
+            <p:spPr>
+              <a:xfrm>
+                <a:off x="3933823" y="494376"/>
+                <a:ext cx="251462" cy="329510"/>
+              </a:xfrm>
+              <a:prstGeom prst="rect">
+                <a:avLst/>
+              </a:prstGeom>
+              <a:noFill/>
+            </p:spPr>
+            <p:txBody>
+              <a:bodyPr wrap="square" rtlCol="0">
+                <a:spAutoFit/>
+              </a:bodyPr>
+              <a:lstStyle/>
+              <a:p>
+                <a:pPr algn="ctr"/>
+                <a:r>
+                  <a:rPr lang="en-US" altLang="ko-KR" sz="900" dirty="0"/>
+                  <a:t>3</a:t>
+                </a:r>
+                <a:endParaRPr lang="ko-KR" altLang="en-US" sz="900" dirty="0"/>
+              </a:p>
+            </p:txBody>
+          </p:sp>
+        </p:grpSp>
+        <p:grpSp>
+          <p:nvGrpSpPr>
+            <p:cNvPr id="52" name="그룹 51">
+              <a:extLst>
+                <a:ext uri="{FF2B5EF4-FFF2-40B4-BE49-F238E27FC236}">
+                  <a16:creationId xmlns:a16="http://schemas.microsoft.com/office/drawing/2014/main" id="{BE3178BF-65FD-44A6-BDF3-96964DF4B06E}"/>
+                </a:ext>
+              </a:extLst>
+            </p:cNvPr>
+            <p:cNvGrpSpPr/>
+            <p:nvPr/>
+          </p:nvGrpSpPr>
+          <p:grpSpPr>
+            <a:xfrm>
+              <a:off x="979924" y="1761824"/>
+              <a:ext cx="176156" cy="230832"/>
+              <a:chOff x="3933823" y="494376"/>
+              <a:chExt cx="251462" cy="329510"/>
+            </a:xfrm>
+          </p:grpSpPr>
+          <p:sp>
+            <p:nvSpPr>
+              <p:cNvPr id="55" name="타원 54">
+                <a:extLst>
+                  <a:ext uri="{FF2B5EF4-FFF2-40B4-BE49-F238E27FC236}">
+                    <a16:creationId xmlns:a16="http://schemas.microsoft.com/office/drawing/2014/main" id="{84A8EE47-5D69-41FA-9266-5A6A692420E9}"/>
+                  </a:ext>
+                </a:extLst>
+              </p:cNvPr>
+              <p:cNvSpPr/>
+              <p:nvPr/>
+            </p:nvSpPr>
+            <p:spPr>
+              <a:xfrm>
+                <a:off x="3933825" y="533400"/>
+                <a:ext cx="251460" cy="251460"/>
+              </a:xfrm>
+              <a:prstGeom prst="ellipse">
+                <a:avLst/>
+              </a:prstGeom>
+              <a:solidFill>
+                <a:srgbClr val="FF9797"/>
+              </a:solidFill>
+              <a:ln>
+                <a:noFill/>
+              </a:ln>
+            </p:spPr>
+            <p:style>
+              <a:lnRef idx="2">
+                <a:schemeClr val="accent1">
+                  <a:shade val="50000"/>
+                </a:schemeClr>
+              </a:lnRef>
+              <a:fillRef idx="1">
+                <a:schemeClr val="accent1"/>
+              </a:fillRef>
+              <a:effectRef idx="0">
+                <a:schemeClr val="accent1"/>
+              </a:effectRef>
+              <a:fontRef idx="minor">
+                <a:schemeClr val="lt1"/>
+              </a:fontRef>
+            </p:style>
+            <p:txBody>
+              <a:bodyPr rtlCol="0" anchor="ctr"/>
+              <a:lstStyle/>
+              <a:p>
+                <a:pPr algn="ctr"/>
+                <a:endParaRPr lang="ko-KR" altLang="en-US"/>
+              </a:p>
+            </p:txBody>
+          </p:sp>
+          <p:sp>
+            <p:nvSpPr>
+              <p:cNvPr id="56" name="TextBox 55">
+                <a:extLst>
+                  <a:ext uri="{FF2B5EF4-FFF2-40B4-BE49-F238E27FC236}">
+                    <a16:creationId xmlns:a16="http://schemas.microsoft.com/office/drawing/2014/main" id="{8E0125B9-706A-45D2-BDB1-68CAB9ADDFC4}"/>
+                  </a:ext>
+                </a:extLst>
+              </p:cNvPr>
+              <p:cNvSpPr txBox="1"/>
+              <p:nvPr/>
+            </p:nvSpPr>
+            <p:spPr>
+              <a:xfrm>
+                <a:off x="3933823" y="494376"/>
+                <a:ext cx="251462" cy="329510"/>
+              </a:xfrm>
+              <a:prstGeom prst="rect">
+                <a:avLst/>
+              </a:prstGeom>
+              <a:noFill/>
+            </p:spPr>
+            <p:txBody>
+              <a:bodyPr wrap="square" rtlCol="0">
+                <a:spAutoFit/>
+              </a:bodyPr>
+              <a:lstStyle/>
+              <a:p>
+                <a:pPr algn="ctr"/>
+                <a:r>
+                  <a:rPr lang="en-US" altLang="ko-KR" sz="900" dirty="0"/>
+                  <a:t>4</a:t>
+                </a:r>
+                <a:endParaRPr lang="ko-KR" altLang="en-US" sz="900" dirty="0"/>
+              </a:p>
+            </p:txBody>
+          </p:sp>
+        </p:grpSp>
+        <p:sp>
+          <p:nvSpPr>
+            <p:cNvPr id="53" name="직사각형 52">
+              <a:extLst>
+                <a:ext uri="{FF2B5EF4-FFF2-40B4-BE49-F238E27FC236}">
+                  <a16:creationId xmlns:a16="http://schemas.microsoft.com/office/drawing/2014/main" id="{451781D4-2ED2-4E70-8915-DF4FB4D0C9B4}"/>
+                </a:ext>
+              </a:extLst>
+            </p:cNvPr>
+            <p:cNvSpPr/>
+            <p:nvPr/>
+          </p:nvSpPr>
+          <p:spPr>
+            <a:xfrm>
+              <a:off x="1842470" y="1391147"/>
+              <a:ext cx="743250" cy="281315"/>
+            </a:xfrm>
+            <a:prstGeom prst="rect">
+              <a:avLst/>
+            </a:prstGeom>
+            <a:noFill/>
+            <a:ln w="19050">
+              <a:solidFill>
+                <a:srgbClr val="FF9797"/>
+              </a:solidFill>
+              <a:prstDash val="sysDash"/>
+            </a:ln>
+          </p:spPr>
+          <p:style>
+            <a:lnRef idx="2">
+              <a:schemeClr val="accent1">
+                <a:shade val="50000"/>
+              </a:schemeClr>
+            </a:lnRef>
+            <a:fillRef idx="1">
+              <a:schemeClr val="accent1"/>
+            </a:fillRef>
+            <a:effectRef idx="0">
+              <a:schemeClr val="accent1"/>
+            </a:effectRef>
+            <a:fontRef idx="minor">
+              <a:schemeClr val="lt1"/>
+            </a:fontRef>
+          </p:style>
+          <p:txBody>
+            <a:bodyPr rtlCol="0" anchor="ctr"/>
+            <a:lstStyle/>
+            <a:p>
+              <a:pPr algn="ctr"/>
+              <a:endParaRPr lang="ko-KR" altLang="en-US"/>
+            </a:p>
+          </p:txBody>
+        </p:sp>
+        <p:sp>
+          <p:nvSpPr>
+            <p:cNvPr id="54" name="직사각형 53">
+              <a:extLst>
+                <a:ext uri="{FF2B5EF4-FFF2-40B4-BE49-F238E27FC236}">
+                  <a16:creationId xmlns:a16="http://schemas.microsoft.com/office/drawing/2014/main" id="{BBD4900A-3AE7-481D-AF29-AA847F61AF96}"/>
+                </a:ext>
+              </a:extLst>
+            </p:cNvPr>
+            <p:cNvSpPr/>
+            <p:nvPr/>
+          </p:nvSpPr>
+          <p:spPr>
+            <a:xfrm>
+              <a:off x="2638119" y="1391147"/>
+              <a:ext cx="686176" cy="281315"/>
+            </a:xfrm>
+            <a:prstGeom prst="rect">
+              <a:avLst/>
+            </a:prstGeom>
+            <a:noFill/>
+            <a:ln w="19050">
+              <a:solidFill>
+                <a:srgbClr val="FF9797"/>
+              </a:solidFill>
+              <a:prstDash val="sysDash"/>
+            </a:ln>
+          </p:spPr>
+          <p:style>
+            <a:lnRef idx="2">
+              <a:schemeClr val="accent1">
+                <a:shade val="50000"/>
+              </a:schemeClr>
+            </a:lnRef>
+            <a:fillRef idx="1">
+              <a:schemeClr val="accent1"/>
+            </a:fillRef>
+            <a:effectRef idx="0">
+              <a:schemeClr val="accent1"/>
+            </a:effectRef>
+            <a:fontRef idx="minor">
+              <a:schemeClr val="lt1"/>
+            </a:fontRef>
+          </p:style>
+          <p:txBody>
+            <a:bodyPr rtlCol="0" anchor="ctr"/>
+            <a:lstStyle/>
+            <a:p>
+              <a:pPr algn="ctr"/>
+              <a:endParaRPr lang="ko-KR" altLang="en-US"/>
+            </a:p>
+          </p:txBody>
+        </p:sp>
+      </p:grpSp>
+      <p:cxnSp>
+        <p:nvCxnSpPr>
+          <p:cNvPr id="64" name="직선 연결선 63">
+            <a:extLst>
+              <a:ext uri="{FF2B5EF4-FFF2-40B4-BE49-F238E27FC236}">
+                <a16:creationId xmlns:a16="http://schemas.microsoft.com/office/drawing/2014/main" id="{4F015D97-1516-4EF9-AFCF-3EC9FABA8B15}"/>
+              </a:ext>
+            </a:extLst>
+          </p:cNvPr>
+          <p:cNvCxnSpPr/>
+          <p:nvPr/>
+        </p:nvCxnSpPr>
+        <p:spPr>
+          <a:xfrm>
+            <a:off x="4069080" y="60960"/>
+            <a:ext cx="0" cy="6797040"/>
+          </a:xfrm>
+          <a:prstGeom prst="line">
+            <a:avLst/>
+          </a:prstGeom>
+        </p:spPr>
+        <p:style>
+          <a:lnRef idx="1">
+            <a:schemeClr val="accent1"/>
+          </a:lnRef>
+          <a:fillRef idx="0">
+            <a:schemeClr val="accent1"/>
+          </a:fillRef>
+          <a:effectRef idx="0">
+            <a:schemeClr val="accent1"/>
+          </a:effectRef>
+          <a:fontRef idx="minor">
+            <a:schemeClr val="tx1"/>
+          </a:fontRef>
+        </p:style>
+      </p:cxnSp>
+    </p:spTree>
+    <p:extLst>
+      <p:ext uri="{BB962C8B-B14F-4D97-AF65-F5344CB8AC3E}">
+        <p14:creationId xmlns:p14="http://schemas.microsoft.com/office/powerpoint/2010/main" val="3283139516"/>
+      </p:ext>
+    </p:extLst>
+  </p:cSld>
+  <p:clrMapOvr>
+    <a:masterClrMapping/>
+  </p:clrMapOvr>
+</p:sld>
+</file>
+
 <file path=ppt/slides/slide4.xml><?xml version="1.0" encoding="utf-8"?>
 <p:sld xmlns:a="http://schemas.openxmlformats.org/drawingml/2006/main" xmlns:r="http://schemas.openxmlformats.org/officeDocument/2006/relationships" xmlns:p="http://schemas.openxmlformats.org/presentationml/2006/main">
   <p:cSld>
@@ -4863,7 +7175,7 @@
         </p:nvGrpSpPr>
         <p:grpSpPr>
           <a:xfrm>
-            <a:off x="4829267" y="893979"/>
+            <a:off x="2383247" y="1023519"/>
             <a:ext cx="2968462" cy="5070037"/>
             <a:chOff x="1262182" y="893981"/>
             <a:chExt cx="2968462" cy="5070037"/>
@@ -5413,7 +7725,7 @@
         </p:nvGrpSpPr>
         <p:grpSpPr>
           <a:xfrm>
-            <a:off x="8761178" y="893980"/>
+            <a:off x="6315158" y="1023520"/>
             <a:ext cx="2970415" cy="5070037"/>
             <a:chOff x="6617418" y="893980"/>
             <a:chExt cx="2970415" cy="5070037"/>
@@ -5477,7 +7789,7 @@
           <p:spPr>
             <a:xfrm>
               <a:off x="6933215" y="1060485"/>
-              <a:ext cx="2654618" cy="2066156"/>
+              <a:ext cx="2654618" cy="2111340"/>
             </a:xfrm>
             <a:prstGeom prst="rect">
               <a:avLst/>
@@ -5949,933 +8261,6 @@
           </p:sp>
         </p:grpSp>
       </p:grpSp>
-      <p:grpSp>
-        <p:nvGrpSpPr>
-          <p:cNvPr id="59" name="그룹 58">
-            <a:extLst>
-              <a:ext uri="{FF2B5EF4-FFF2-40B4-BE49-F238E27FC236}">
-                <a16:creationId xmlns:a16="http://schemas.microsoft.com/office/drawing/2014/main" id="{99AC1470-D01B-4605-A690-300269312E48}"/>
-              </a:ext>
-            </a:extLst>
-          </p:cNvPr>
-          <p:cNvGrpSpPr/>
-          <p:nvPr/>
-        </p:nvGrpSpPr>
-        <p:grpSpPr>
-          <a:xfrm>
-            <a:off x="990994" y="893979"/>
-            <a:ext cx="2961794" cy="5070038"/>
-            <a:chOff x="990994" y="893979"/>
-            <a:chExt cx="2961794" cy="5070038"/>
-          </a:xfrm>
-        </p:grpSpPr>
-        <p:grpSp>
-          <p:nvGrpSpPr>
-            <p:cNvPr id="36" name="그룹 35">
-              <a:extLst>
-                <a:ext uri="{FF2B5EF4-FFF2-40B4-BE49-F238E27FC236}">
-                  <a16:creationId xmlns:a16="http://schemas.microsoft.com/office/drawing/2014/main" id="{91882B2F-6B20-45D3-9740-DAB42E0ABD6A}"/>
-                </a:ext>
-              </a:extLst>
-            </p:cNvPr>
-            <p:cNvGrpSpPr/>
-            <p:nvPr/>
-          </p:nvGrpSpPr>
-          <p:grpSpPr>
-            <a:xfrm>
-              <a:off x="990994" y="893981"/>
-              <a:ext cx="2961794" cy="5070036"/>
-              <a:chOff x="4628752" y="893981"/>
-              <a:chExt cx="2961794" cy="5070036"/>
-            </a:xfrm>
-          </p:grpSpPr>
-          <p:pic>
-            <p:nvPicPr>
-              <p:cNvPr id="37" name="그림 36">
-                <a:extLst>
-                  <a:ext uri="{FF2B5EF4-FFF2-40B4-BE49-F238E27FC236}">
-                    <a16:creationId xmlns:a16="http://schemas.microsoft.com/office/drawing/2014/main" id="{B9E45DB2-2DF2-4ECF-92D8-BDBEA676AABA}"/>
-                  </a:ext>
-                </a:extLst>
-              </p:cNvPr>
-              <p:cNvPicPr>
-                <a:picLocks noChangeAspect="1"/>
-              </p:cNvPicPr>
-              <p:nvPr/>
-            </p:nvPicPr>
-            <p:blipFill>
-              <a:blip r:embed="rId4"/>
-              <a:stretch>
-                <a:fillRect/>
-              </a:stretch>
-            </p:blipFill>
-            <p:spPr>
-              <a:xfrm>
-                <a:off x="5033319" y="893981"/>
-                <a:ext cx="2466504" cy="5070036"/>
-              </a:xfrm>
-              <a:prstGeom prst="rect">
-                <a:avLst/>
-              </a:prstGeom>
-              <a:ln>
-                <a:solidFill>
-                  <a:schemeClr val="bg2">
-                    <a:lumMod val="50000"/>
-                  </a:schemeClr>
-                </a:solidFill>
-              </a:ln>
-            </p:spPr>
-          </p:pic>
-          <p:sp>
-            <p:nvSpPr>
-              <p:cNvPr id="38" name="직사각형 37">
-                <a:extLst>
-                  <a:ext uri="{FF2B5EF4-FFF2-40B4-BE49-F238E27FC236}">
-                    <a16:creationId xmlns:a16="http://schemas.microsoft.com/office/drawing/2014/main" id="{010F27A2-41CC-4446-9F9E-BD734ABB8D46}"/>
-                  </a:ext>
-                </a:extLst>
-              </p:cNvPr>
-              <p:cNvSpPr/>
-              <p:nvPr/>
-            </p:nvSpPr>
-            <p:spPr>
-              <a:xfrm>
-                <a:off x="4942596" y="1080669"/>
-                <a:ext cx="2647950" cy="788137"/>
-              </a:xfrm>
-              <a:prstGeom prst="rect">
-                <a:avLst/>
-              </a:prstGeom>
-              <a:noFill/>
-              <a:ln w="19050">
-                <a:solidFill>
-                  <a:srgbClr val="FF9797"/>
-                </a:solidFill>
-                <a:prstDash val="sysDash"/>
-              </a:ln>
-            </p:spPr>
-            <p:style>
-              <a:lnRef idx="2">
-                <a:schemeClr val="accent1">
-                  <a:shade val="50000"/>
-                </a:schemeClr>
-              </a:lnRef>
-              <a:fillRef idx="1">
-                <a:schemeClr val="accent1"/>
-              </a:fillRef>
-              <a:effectRef idx="0">
-                <a:schemeClr val="accent1"/>
-              </a:effectRef>
-              <a:fontRef idx="minor">
-                <a:schemeClr val="lt1"/>
-              </a:fontRef>
-            </p:style>
-            <p:txBody>
-              <a:bodyPr rtlCol="0" anchor="ctr"/>
-              <a:lstStyle/>
-              <a:p>
-                <a:pPr algn="ctr"/>
-                <a:endParaRPr lang="ko-KR" altLang="en-US" dirty="0"/>
-              </a:p>
-            </p:txBody>
-          </p:sp>
-          <p:sp>
-            <p:nvSpPr>
-              <p:cNvPr id="39" name="직사각형 38">
-                <a:extLst>
-                  <a:ext uri="{FF2B5EF4-FFF2-40B4-BE49-F238E27FC236}">
-                    <a16:creationId xmlns:a16="http://schemas.microsoft.com/office/drawing/2014/main" id="{EEF65E34-4CDC-4752-BC6B-1E8DB73AEB79}"/>
-                  </a:ext>
-                </a:extLst>
-              </p:cNvPr>
-              <p:cNvSpPr/>
-              <p:nvPr/>
-            </p:nvSpPr>
-            <p:spPr>
-              <a:xfrm>
-                <a:off x="4942596" y="1912620"/>
-                <a:ext cx="2647950" cy="462915"/>
-              </a:xfrm>
-              <a:prstGeom prst="rect">
-                <a:avLst/>
-              </a:prstGeom>
-              <a:noFill/>
-              <a:ln w="19050">
-                <a:solidFill>
-                  <a:srgbClr val="FF9797"/>
-                </a:solidFill>
-                <a:prstDash val="sysDash"/>
-              </a:ln>
-            </p:spPr>
-            <p:style>
-              <a:lnRef idx="2">
-                <a:schemeClr val="accent1">
-                  <a:shade val="50000"/>
-                </a:schemeClr>
-              </a:lnRef>
-              <a:fillRef idx="1">
-                <a:schemeClr val="accent1"/>
-              </a:fillRef>
-              <a:effectRef idx="0">
-                <a:schemeClr val="accent1"/>
-              </a:effectRef>
-              <a:fontRef idx="minor">
-                <a:schemeClr val="lt1"/>
-              </a:fontRef>
-            </p:style>
-            <p:txBody>
-              <a:bodyPr rtlCol="0" anchor="ctr"/>
-              <a:lstStyle/>
-              <a:p>
-                <a:pPr algn="ctr"/>
-                <a:endParaRPr lang="ko-KR" altLang="en-US"/>
-              </a:p>
-            </p:txBody>
-          </p:sp>
-          <p:sp>
-            <p:nvSpPr>
-              <p:cNvPr id="40" name="직사각형 39">
-                <a:extLst>
-                  <a:ext uri="{FF2B5EF4-FFF2-40B4-BE49-F238E27FC236}">
-                    <a16:creationId xmlns:a16="http://schemas.microsoft.com/office/drawing/2014/main" id="{ADA85F25-3884-422F-A694-0168B5CA041B}"/>
-                  </a:ext>
-                </a:extLst>
-              </p:cNvPr>
-              <p:cNvSpPr/>
-              <p:nvPr/>
-            </p:nvSpPr>
-            <p:spPr>
-              <a:xfrm>
-                <a:off x="4942596" y="2419348"/>
-                <a:ext cx="2647950" cy="2205991"/>
-              </a:xfrm>
-              <a:prstGeom prst="rect">
-                <a:avLst/>
-              </a:prstGeom>
-              <a:noFill/>
-              <a:ln w="19050">
-                <a:solidFill>
-                  <a:srgbClr val="FF9797"/>
-                </a:solidFill>
-                <a:prstDash val="sysDash"/>
-              </a:ln>
-            </p:spPr>
-            <p:style>
-              <a:lnRef idx="2">
-                <a:schemeClr val="accent1">
-                  <a:shade val="50000"/>
-                </a:schemeClr>
-              </a:lnRef>
-              <a:fillRef idx="1">
-                <a:schemeClr val="accent1"/>
-              </a:fillRef>
-              <a:effectRef idx="0">
-                <a:schemeClr val="accent1"/>
-              </a:effectRef>
-              <a:fontRef idx="minor">
-                <a:schemeClr val="lt1"/>
-              </a:fontRef>
-            </p:style>
-            <p:txBody>
-              <a:bodyPr rtlCol="0" anchor="ctr"/>
-              <a:lstStyle/>
-              <a:p>
-                <a:pPr algn="ctr"/>
-                <a:endParaRPr lang="ko-KR" altLang="en-US"/>
-              </a:p>
-            </p:txBody>
-          </p:sp>
-          <p:sp>
-            <p:nvSpPr>
-              <p:cNvPr id="41" name="직사각형 40">
-                <a:extLst>
-                  <a:ext uri="{FF2B5EF4-FFF2-40B4-BE49-F238E27FC236}">
-                    <a16:creationId xmlns:a16="http://schemas.microsoft.com/office/drawing/2014/main" id="{F68329C0-6E36-474F-BB39-926BAB3BFCD2}"/>
-                  </a:ext>
-                </a:extLst>
-              </p:cNvPr>
-              <p:cNvSpPr/>
-              <p:nvPr/>
-            </p:nvSpPr>
-            <p:spPr>
-              <a:xfrm>
-                <a:off x="5033319" y="3535680"/>
-                <a:ext cx="2466504" cy="548640"/>
-              </a:xfrm>
-              <a:prstGeom prst="rect">
-                <a:avLst/>
-              </a:prstGeom>
-              <a:noFill/>
-              <a:ln w="19050">
-                <a:solidFill>
-                  <a:srgbClr val="FF9797"/>
-                </a:solidFill>
-                <a:prstDash val="sysDash"/>
-              </a:ln>
-            </p:spPr>
-            <p:style>
-              <a:lnRef idx="2">
-                <a:schemeClr val="accent1">
-                  <a:shade val="50000"/>
-                </a:schemeClr>
-              </a:lnRef>
-              <a:fillRef idx="1">
-                <a:schemeClr val="accent1"/>
-              </a:fillRef>
-              <a:effectRef idx="0">
-                <a:schemeClr val="accent1"/>
-              </a:effectRef>
-              <a:fontRef idx="minor">
-                <a:schemeClr val="lt1"/>
-              </a:fontRef>
-            </p:style>
-            <p:txBody>
-              <a:bodyPr rtlCol="0" anchor="ctr"/>
-              <a:lstStyle/>
-              <a:p>
-                <a:pPr algn="ctr"/>
-                <a:endParaRPr lang="ko-KR" altLang="en-US"/>
-              </a:p>
-            </p:txBody>
-          </p:sp>
-          <p:grpSp>
-            <p:nvGrpSpPr>
-              <p:cNvPr id="42" name="그룹 41">
-                <a:extLst>
-                  <a:ext uri="{FF2B5EF4-FFF2-40B4-BE49-F238E27FC236}">
-                    <a16:creationId xmlns:a16="http://schemas.microsoft.com/office/drawing/2014/main" id="{6D89964D-FD75-4748-8764-7A835F13F2D9}"/>
-                  </a:ext>
-                </a:extLst>
-              </p:cNvPr>
-              <p:cNvGrpSpPr/>
-              <p:nvPr/>
-            </p:nvGrpSpPr>
-            <p:grpSpPr>
-              <a:xfrm>
-                <a:off x="4628752" y="1059714"/>
-                <a:ext cx="264796" cy="276999"/>
-                <a:chOff x="3920489" y="520630"/>
-                <a:chExt cx="264796" cy="276999"/>
-              </a:xfrm>
-            </p:grpSpPr>
-            <p:sp>
-              <p:nvSpPr>
-                <p:cNvPr id="56" name="타원 55">
-                  <a:extLst>
-                    <a:ext uri="{FF2B5EF4-FFF2-40B4-BE49-F238E27FC236}">
-                      <a16:creationId xmlns:a16="http://schemas.microsoft.com/office/drawing/2014/main" id="{D83E0B7F-C056-415D-9696-18D829C66A44}"/>
-                    </a:ext>
-                  </a:extLst>
-                </p:cNvPr>
-                <p:cNvSpPr/>
-                <p:nvPr/>
-              </p:nvSpPr>
-              <p:spPr>
-                <a:xfrm>
-                  <a:off x="3933825" y="533400"/>
-                  <a:ext cx="251460" cy="251460"/>
-                </a:xfrm>
-                <a:prstGeom prst="ellipse">
-                  <a:avLst/>
-                </a:prstGeom>
-                <a:solidFill>
-                  <a:srgbClr val="FF9797"/>
-                </a:solidFill>
-                <a:ln>
-                  <a:noFill/>
-                </a:ln>
-              </p:spPr>
-              <p:style>
-                <a:lnRef idx="2">
-                  <a:schemeClr val="accent1">
-                    <a:shade val="50000"/>
-                  </a:schemeClr>
-                </a:lnRef>
-                <a:fillRef idx="1">
-                  <a:schemeClr val="accent1"/>
-                </a:fillRef>
-                <a:effectRef idx="0">
-                  <a:schemeClr val="accent1"/>
-                </a:effectRef>
-                <a:fontRef idx="minor">
-                  <a:schemeClr val="lt1"/>
-                </a:fontRef>
-              </p:style>
-              <p:txBody>
-                <a:bodyPr rtlCol="0" anchor="ctr"/>
-                <a:lstStyle/>
-                <a:p>
-                  <a:pPr algn="ctr"/>
-                  <a:endParaRPr lang="ko-KR" altLang="en-US"/>
-                </a:p>
-              </p:txBody>
-            </p:sp>
-            <p:sp>
-              <p:nvSpPr>
-                <p:cNvPr id="57" name="TextBox 56">
-                  <a:extLst>
-                    <a:ext uri="{FF2B5EF4-FFF2-40B4-BE49-F238E27FC236}">
-                      <a16:creationId xmlns:a16="http://schemas.microsoft.com/office/drawing/2014/main" id="{186FC807-E842-4E36-91CF-09D2F3C09CC5}"/>
-                    </a:ext>
-                  </a:extLst>
-                </p:cNvPr>
-                <p:cNvSpPr txBox="1"/>
-                <p:nvPr/>
-              </p:nvSpPr>
-              <p:spPr>
-                <a:xfrm>
-                  <a:off x="3920489" y="520630"/>
-                  <a:ext cx="264795" cy="276999"/>
-                </a:xfrm>
-                <a:prstGeom prst="rect">
-                  <a:avLst/>
-                </a:prstGeom>
-                <a:noFill/>
-              </p:spPr>
-              <p:txBody>
-                <a:bodyPr wrap="square" rtlCol="0">
-                  <a:spAutoFit/>
-                </a:bodyPr>
-                <a:lstStyle/>
-                <a:p>
-                  <a:r>
-                    <a:rPr lang="en-US" altLang="ko-KR" sz="1200" dirty="0"/>
-                    <a:t>1</a:t>
-                  </a:r>
-                  <a:endParaRPr lang="ko-KR" altLang="en-US" sz="1200" dirty="0"/>
-                </a:p>
-              </p:txBody>
-            </p:sp>
-          </p:grpSp>
-          <p:grpSp>
-            <p:nvGrpSpPr>
-              <p:cNvPr id="43" name="그룹 42">
-                <a:extLst>
-                  <a:ext uri="{FF2B5EF4-FFF2-40B4-BE49-F238E27FC236}">
-                    <a16:creationId xmlns:a16="http://schemas.microsoft.com/office/drawing/2014/main" id="{B17B4998-CCFB-4B4D-B33C-09BE1FB1D735}"/>
-                  </a:ext>
-                </a:extLst>
-              </p:cNvPr>
-              <p:cNvGrpSpPr/>
-              <p:nvPr/>
-            </p:nvGrpSpPr>
-            <p:grpSpPr>
-              <a:xfrm>
-                <a:off x="4642088" y="1867078"/>
-                <a:ext cx="264796" cy="276999"/>
-                <a:chOff x="3920489" y="520630"/>
-                <a:chExt cx="264796" cy="276999"/>
-              </a:xfrm>
-            </p:grpSpPr>
-            <p:sp>
-              <p:nvSpPr>
-                <p:cNvPr id="54" name="타원 53">
-                  <a:extLst>
-                    <a:ext uri="{FF2B5EF4-FFF2-40B4-BE49-F238E27FC236}">
-                      <a16:creationId xmlns:a16="http://schemas.microsoft.com/office/drawing/2014/main" id="{8F34DDFE-6ABE-46F0-A189-56DA53839D38}"/>
-                    </a:ext>
-                  </a:extLst>
-                </p:cNvPr>
-                <p:cNvSpPr/>
-                <p:nvPr/>
-              </p:nvSpPr>
-              <p:spPr>
-                <a:xfrm>
-                  <a:off x="3933825" y="533400"/>
-                  <a:ext cx="251460" cy="251460"/>
-                </a:xfrm>
-                <a:prstGeom prst="ellipse">
-                  <a:avLst/>
-                </a:prstGeom>
-                <a:solidFill>
-                  <a:srgbClr val="FF9797"/>
-                </a:solidFill>
-                <a:ln>
-                  <a:noFill/>
-                </a:ln>
-              </p:spPr>
-              <p:style>
-                <a:lnRef idx="2">
-                  <a:schemeClr val="accent1">
-                    <a:shade val="50000"/>
-                  </a:schemeClr>
-                </a:lnRef>
-                <a:fillRef idx="1">
-                  <a:schemeClr val="accent1"/>
-                </a:fillRef>
-                <a:effectRef idx="0">
-                  <a:schemeClr val="accent1"/>
-                </a:effectRef>
-                <a:fontRef idx="minor">
-                  <a:schemeClr val="lt1"/>
-                </a:fontRef>
-              </p:style>
-              <p:txBody>
-                <a:bodyPr rtlCol="0" anchor="ctr"/>
-                <a:lstStyle/>
-                <a:p>
-                  <a:pPr algn="ctr"/>
-                  <a:endParaRPr lang="ko-KR" altLang="en-US"/>
-                </a:p>
-              </p:txBody>
-            </p:sp>
-            <p:sp>
-              <p:nvSpPr>
-                <p:cNvPr id="55" name="TextBox 54">
-                  <a:extLst>
-                    <a:ext uri="{FF2B5EF4-FFF2-40B4-BE49-F238E27FC236}">
-                      <a16:creationId xmlns:a16="http://schemas.microsoft.com/office/drawing/2014/main" id="{AAD0AEB2-594B-47CE-8256-1BC1FDDFD4D8}"/>
-                    </a:ext>
-                  </a:extLst>
-                </p:cNvPr>
-                <p:cNvSpPr txBox="1"/>
-                <p:nvPr/>
-              </p:nvSpPr>
-              <p:spPr>
-                <a:xfrm>
-                  <a:off x="3920489" y="520630"/>
-                  <a:ext cx="264795" cy="276999"/>
-                </a:xfrm>
-                <a:prstGeom prst="rect">
-                  <a:avLst/>
-                </a:prstGeom>
-                <a:noFill/>
-              </p:spPr>
-              <p:txBody>
-                <a:bodyPr wrap="square" rtlCol="0">
-                  <a:spAutoFit/>
-                </a:bodyPr>
-                <a:lstStyle/>
-                <a:p>
-                  <a:r>
-                    <a:rPr lang="en-US" altLang="ko-KR" sz="1200" dirty="0"/>
-                    <a:t>2</a:t>
-                  </a:r>
-                  <a:endParaRPr lang="ko-KR" altLang="en-US" sz="1200" dirty="0"/>
-                </a:p>
-              </p:txBody>
-            </p:sp>
-          </p:grpSp>
-          <p:grpSp>
-            <p:nvGrpSpPr>
-              <p:cNvPr id="44" name="그룹 43">
-                <a:extLst>
-                  <a:ext uri="{FF2B5EF4-FFF2-40B4-BE49-F238E27FC236}">
-                    <a16:creationId xmlns:a16="http://schemas.microsoft.com/office/drawing/2014/main" id="{58222B2E-CD8D-47E3-8237-59D5CBA275F8}"/>
-                  </a:ext>
-                </a:extLst>
-              </p:cNvPr>
-              <p:cNvGrpSpPr/>
-              <p:nvPr/>
-            </p:nvGrpSpPr>
-            <p:grpSpPr>
-              <a:xfrm>
-                <a:off x="4642088" y="2419348"/>
-                <a:ext cx="264796" cy="276999"/>
-                <a:chOff x="3920489" y="520630"/>
-                <a:chExt cx="264796" cy="276999"/>
-              </a:xfrm>
-            </p:grpSpPr>
-            <p:sp>
-              <p:nvSpPr>
-                <p:cNvPr id="52" name="타원 51">
-                  <a:extLst>
-                    <a:ext uri="{FF2B5EF4-FFF2-40B4-BE49-F238E27FC236}">
-                      <a16:creationId xmlns:a16="http://schemas.microsoft.com/office/drawing/2014/main" id="{98EF45CB-B456-4ACB-8E32-EB098E7339D0}"/>
-                    </a:ext>
-                  </a:extLst>
-                </p:cNvPr>
-                <p:cNvSpPr/>
-                <p:nvPr/>
-              </p:nvSpPr>
-              <p:spPr>
-                <a:xfrm>
-                  <a:off x="3933825" y="533400"/>
-                  <a:ext cx="251460" cy="251460"/>
-                </a:xfrm>
-                <a:prstGeom prst="ellipse">
-                  <a:avLst/>
-                </a:prstGeom>
-                <a:solidFill>
-                  <a:srgbClr val="FF9797"/>
-                </a:solidFill>
-                <a:ln>
-                  <a:noFill/>
-                </a:ln>
-              </p:spPr>
-              <p:style>
-                <a:lnRef idx="2">
-                  <a:schemeClr val="accent1">
-                    <a:shade val="50000"/>
-                  </a:schemeClr>
-                </a:lnRef>
-                <a:fillRef idx="1">
-                  <a:schemeClr val="accent1"/>
-                </a:fillRef>
-                <a:effectRef idx="0">
-                  <a:schemeClr val="accent1"/>
-                </a:effectRef>
-                <a:fontRef idx="minor">
-                  <a:schemeClr val="lt1"/>
-                </a:fontRef>
-              </p:style>
-              <p:txBody>
-                <a:bodyPr rtlCol="0" anchor="ctr"/>
-                <a:lstStyle/>
-                <a:p>
-                  <a:pPr algn="ctr"/>
-                  <a:endParaRPr lang="ko-KR" altLang="en-US"/>
-                </a:p>
-              </p:txBody>
-            </p:sp>
-            <p:sp>
-              <p:nvSpPr>
-                <p:cNvPr id="53" name="TextBox 52">
-                  <a:extLst>
-                    <a:ext uri="{FF2B5EF4-FFF2-40B4-BE49-F238E27FC236}">
-                      <a16:creationId xmlns:a16="http://schemas.microsoft.com/office/drawing/2014/main" id="{08E0AA51-8779-4730-AE52-57C8660C1C2C}"/>
-                    </a:ext>
-                  </a:extLst>
-                </p:cNvPr>
-                <p:cNvSpPr txBox="1"/>
-                <p:nvPr/>
-              </p:nvSpPr>
-              <p:spPr>
-                <a:xfrm>
-                  <a:off x="3920489" y="520630"/>
-                  <a:ext cx="264795" cy="276999"/>
-                </a:xfrm>
-                <a:prstGeom prst="rect">
-                  <a:avLst/>
-                </a:prstGeom>
-                <a:noFill/>
-              </p:spPr>
-              <p:txBody>
-                <a:bodyPr wrap="square" rtlCol="0">
-                  <a:spAutoFit/>
-                </a:bodyPr>
-                <a:lstStyle/>
-                <a:p>
-                  <a:r>
-                    <a:rPr lang="en-US" altLang="ko-KR" sz="1200" dirty="0"/>
-                    <a:t>3</a:t>
-                  </a:r>
-                  <a:endParaRPr lang="ko-KR" altLang="en-US" sz="1200" dirty="0"/>
-                </a:p>
-              </p:txBody>
-            </p:sp>
-          </p:grpSp>
-          <p:grpSp>
-            <p:nvGrpSpPr>
-              <p:cNvPr id="45" name="그룹 44">
-                <a:extLst>
-                  <a:ext uri="{FF2B5EF4-FFF2-40B4-BE49-F238E27FC236}">
-                    <a16:creationId xmlns:a16="http://schemas.microsoft.com/office/drawing/2014/main" id="{3B2FAA3E-2384-4CEE-954F-F0F256AA2F6F}"/>
-                  </a:ext>
-                </a:extLst>
-              </p:cNvPr>
-              <p:cNvGrpSpPr/>
-              <p:nvPr/>
-            </p:nvGrpSpPr>
-            <p:grpSpPr>
-              <a:xfrm>
-                <a:off x="4655424" y="3535680"/>
-                <a:ext cx="264796" cy="276999"/>
-                <a:chOff x="3920489" y="520630"/>
-                <a:chExt cx="264796" cy="276999"/>
-              </a:xfrm>
-            </p:grpSpPr>
-            <p:sp>
-              <p:nvSpPr>
-                <p:cNvPr id="50" name="타원 49">
-                  <a:extLst>
-                    <a:ext uri="{FF2B5EF4-FFF2-40B4-BE49-F238E27FC236}">
-                      <a16:creationId xmlns:a16="http://schemas.microsoft.com/office/drawing/2014/main" id="{F7737493-7454-4C79-B0E8-7474DABCF981}"/>
-                    </a:ext>
-                  </a:extLst>
-                </p:cNvPr>
-                <p:cNvSpPr/>
-                <p:nvPr/>
-              </p:nvSpPr>
-              <p:spPr>
-                <a:xfrm>
-                  <a:off x="3933825" y="533400"/>
-                  <a:ext cx="251460" cy="251460"/>
-                </a:xfrm>
-                <a:prstGeom prst="ellipse">
-                  <a:avLst/>
-                </a:prstGeom>
-                <a:solidFill>
-                  <a:srgbClr val="FF9797"/>
-                </a:solidFill>
-                <a:ln>
-                  <a:noFill/>
-                </a:ln>
-              </p:spPr>
-              <p:style>
-                <a:lnRef idx="2">
-                  <a:schemeClr val="accent1">
-                    <a:shade val="50000"/>
-                  </a:schemeClr>
-                </a:lnRef>
-                <a:fillRef idx="1">
-                  <a:schemeClr val="accent1"/>
-                </a:fillRef>
-                <a:effectRef idx="0">
-                  <a:schemeClr val="accent1"/>
-                </a:effectRef>
-                <a:fontRef idx="minor">
-                  <a:schemeClr val="lt1"/>
-                </a:fontRef>
-              </p:style>
-              <p:txBody>
-                <a:bodyPr rtlCol="0" anchor="ctr"/>
-                <a:lstStyle/>
-                <a:p>
-                  <a:pPr algn="ctr"/>
-                  <a:endParaRPr lang="ko-KR" altLang="en-US"/>
-                </a:p>
-              </p:txBody>
-            </p:sp>
-            <p:sp>
-              <p:nvSpPr>
-                <p:cNvPr id="51" name="TextBox 50">
-                  <a:extLst>
-                    <a:ext uri="{FF2B5EF4-FFF2-40B4-BE49-F238E27FC236}">
-                      <a16:creationId xmlns:a16="http://schemas.microsoft.com/office/drawing/2014/main" id="{3D0918AE-CA92-45AF-ADFB-B1E65996E3D9}"/>
-                    </a:ext>
-                  </a:extLst>
-                </p:cNvPr>
-                <p:cNvSpPr txBox="1"/>
-                <p:nvPr/>
-              </p:nvSpPr>
-              <p:spPr>
-                <a:xfrm>
-                  <a:off x="3920489" y="520630"/>
-                  <a:ext cx="264795" cy="276999"/>
-                </a:xfrm>
-                <a:prstGeom prst="rect">
-                  <a:avLst/>
-                </a:prstGeom>
-                <a:noFill/>
-              </p:spPr>
-              <p:txBody>
-                <a:bodyPr wrap="square" rtlCol="0">
-                  <a:spAutoFit/>
-                </a:bodyPr>
-                <a:lstStyle/>
-                <a:p>
-                  <a:r>
-                    <a:rPr lang="en-US" altLang="ko-KR" sz="1200" dirty="0"/>
-                    <a:t>4</a:t>
-                  </a:r>
-                  <a:endParaRPr lang="ko-KR" altLang="en-US" sz="1200" dirty="0"/>
-                </a:p>
-              </p:txBody>
-            </p:sp>
-          </p:grpSp>
-          <p:sp>
-            <p:nvSpPr>
-              <p:cNvPr id="46" name="직사각형 45">
-                <a:extLst>
-                  <a:ext uri="{FF2B5EF4-FFF2-40B4-BE49-F238E27FC236}">
-                    <a16:creationId xmlns:a16="http://schemas.microsoft.com/office/drawing/2014/main" id="{6D36F9BD-769F-4C7F-8ABB-9E562C8C3746}"/>
-                  </a:ext>
-                </a:extLst>
-              </p:cNvPr>
-              <p:cNvSpPr/>
-              <p:nvPr/>
-            </p:nvSpPr>
-            <p:spPr>
-              <a:xfrm>
-                <a:off x="4942596" y="5211254"/>
-                <a:ext cx="2647950" cy="530417"/>
-              </a:xfrm>
-              <a:prstGeom prst="rect">
-                <a:avLst/>
-              </a:prstGeom>
-              <a:noFill/>
-              <a:ln w="19050">
-                <a:solidFill>
-                  <a:srgbClr val="FF9797"/>
-                </a:solidFill>
-                <a:prstDash val="sysDash"/>
-              </a:ln>
-            </p:spPr>
-            <p:style>
-              <a:lnRef idx="2">
-                <a:schemeClr val="accent1">
-                  <a:shade val="50000"/>
-                </a:schemeClr>
-              </a:lnRef>
-              <a:fillRef idx="1">
-                <a:schemeClr val="accent1"/>
-              </a:fillRef>
-              <a:effectRef idx="0">
-                <a:schemeClr val="accent1"/>
-              </a:effectRef>
-              <a:fontRef idx="minor">
-                <a:schemeClr val="lt1"/>
-              </a:fontRef>
-            </p:style>
-            <p:txBody>
-              <a:bodyPr rtlCol="0" anchor="ctr"/>
-              <a:lstStyle/>
-              <a:p>
-                <a:pPr algn="ctr"/>
-                <a:endParaRPr lang="ko-KR" altLang="en-US" dirty="0"/>
-              </a:p>
-            </p:txBody>
-          </p:sp>
-          <p:grpSp>
-            <p:nvGrpSpPr>
-              <p:cNvPr id="47" name="그룹 46">
-                <a:extLst>
-                  <a:ext uri="{FF2B5EF4-FFF2-40B4-BE49-F238E27FC236}">
-                    <a16:creationId xmlns:a16="http://schemas.microsoft.com/office/drawing/2014/main" id="{F48BCA7D-59CB-4608-9C5B-536D36C51172}"/>
-                  </a:ext>
-                </a:extLst>
-              </p:cNvPr>
-              <p:cNvGrpSpPr/>
-              <p:nvPr/>
-            </p:nvGrpSpPr>
-            <p:grpSpPr>
-              <a:xfrm>
-                <a:off x="4628752" y="5190299"/>
-                <a:ext cx="264796" cy="276999"/>
-                <a:chOff x="3920489" y="520630"/>
-                <a:chExt cx="264796" cy="276999"/>
-              </a:xfrm>
-            </p:grpSpPr>
-            <p:sp>
-              <p:nvSpPr>
-                <p:cNvPr id="48" name="타원 47">
-                  <a:extLst>
-                    <a:ext uri="{FF2B5EF4-FFF2-40B4-BE49-F238E27FC236}">
-                      <a16:creationId xmlns:a16="http://schemas.microsoft.com/office/drawing/2014/main" id="{3862654D-A146-4A2F-BF7D-42718C5BED03}"/>
-                    </a:ext>
-                  </a:extLst>
-                </p:cNvPr>
-                <p:cNvSpPr/>
-                <p:nvPr/>
-              </p:nvSpPr>
-              <p:spPr>
-                <a:xfrm>
-                  <a:off x="3933825" y="533400"/>
-                  <a:ext cx="251460" cy="251460"/>
-                </a:xfrm>
-                <a:prstGeom prst="ellipse">
-                  <a:avLst/>
-                </a:prstGeom>
-                <a:solidFill>
-                  <a:srgbClr val="FF9797"/>
-                </a:solidFill>
-                <a:ln>
-                  <a:noFill/>
-                </a:ln>
-              </p:spPr>
-              <p:style>
-                <a:lnRef idx="2">
-                  <a:schemeClr val="accent1">
-                    <a:shade val="50000"/>
-                  </a:schemeClr>
-                </a:lnRef>
-                <a:fillRef idx="1">
-                  <a:schemeClr val="accent1"/>
-                </a:fillRef>
-                <a:effectRef idx="0">
-                  <a:schemeClr val="accent1"/>
-                </a:effectRef>
-                <a:fontRef idx="minor">
-                  <a:schemeClr val="lt1"/>
-                </a:fontRef>
-              </p:style>
-              <p:txBody>
-                <a:bodyPr rtlCol="0" anchor="ctr"/>
-                <a:lstStyle/>
-                <a:p>
-                  <a:pPr algn="ctr"/>
-                  <a:endParaRPr lang="ko-KR" altLang="en-US"/>
-                </a:p>
-              </p:txBody>
-            </p:sp>
-            <p:sp>
-              <p:nvSpPr>
-                <p:cNvPr id="49" name="TextBox 48">
-                  <a:extLst>
-                    <a:ext uri="{FF2B5EF4-FFF2-40B4-BE49-F238E27FC236}">
-                      <a16:creationId xmlns:a16="http://schemas.microsoft.com/office/drawing/2014/main" id="{7C03FB74-51C2-470E-9892-DC9BFAE25525}"/>
-                    </a:ext>
-                  </a:extLst>
-                </p:cNvPr>
-                <p:cNvSpPr txBox="1"/>
-                <p:nvPr/>
-              </p:nvSpPr>
-              <p:spPr>
-                <a:xfrm>
-                  <a:off x="3920489" y="520630"/>
-                  <a:ext cx="264795" cy="276999"/>
-                </a:xfrm>
-                <a:prstGeom prst="rect">
-                  <a:avLst/>
-                </a:prstGeom>
-                <a:noFill/>
-              </p:spPr>
-              <p:txBody>
-                <a:bodyPr wrap="square" rtlCol="0">
-                  <a:spAutoFit/>
-                </a:bodyPr>
-                <a:lstStyle/>
-                <a:p>
-                  <a:r>
-                    <a:rPr lang="en-US" altLang="ko-KR" sz="1200" dirty="0"/>
-                    <a:t>5</a:t>
-                  </a:r>
-                  <a:endParaRPr lang="ko-KR" altLang="en-US" sz="1200" dirty="0"/>
-                </a:p>
-              </p:txBody>
-            </p:sp>
-          </p:grpSp>
-        </p:grpSp>
-        <p:pic>
-          <p:nvPicPr>
-            <p:cNvPr id="58" name="그림 57">
-              <a:extLst>
-                <a:ext uri="{FF2B5EF4-FFF2-40B4-BE49-F238E27FC236}">
-                  <a16:creationId xmlns:a16="http://schemas.microsoft.com/office/drawing/2014/main" id="{B075556B-D9E4-494C-9477-E0B25B785CC1}"/>
-                </a:ext>
-              </a:extLst>
-            </p:cNvPr>
-            <p:cNvPicPr>
-              <a:picLocks noChangeAspect="1"/>
-            </p:cNvPicPr>
-            <p:nvPr/>
-          </p:nvPicPr>
-          <p:blipFill rotWithShape="1">
-            <a:blip r:embed="rId5">
-              <a:extLst>
-                <a:ext uri="{28A0092B-C50C-407E-A947-70E740481C1C}">
-                  <a14:useLocalDpi xmlns:a14="http://schemas.microsoft.com/office/drawing/2010/main" val="0"/>
-                </a:ext>
-              </a:extLst>
-            </a:blip>
-            <a:srcRect r="49283" b="97598"/>
-            <a:stretch/>
-          </p:blipFill>
-          <p:spPr>
-            <a:xfrm>
-              <a:off x="1452171" y="893979"/>
-              <a:ext cx="1250924" cy="121754"/>
-            </a:xfrm>
-            <a:prstGeom prst="rect">
-              <a:avLst/>
-            </a:prstGeom>
-            <a:ln>
-              <a:noFill/>
-            </a:ln>
-          </p:spPr>
-        </p:pic>
-      </p:grpSp>
     </p:spTree>
     <p:extLst>
       <p:ext uri="{BB962C8B-B14F-4D97-AF65-F5344CB8AC3E}">
@@ -6906,6 +8291,1042 @@
           <a:chExt cx="0" cy="0"/>
         </a:xfrm>
       </p:grpSpPr>
+      <p:grpSp>
+        <p:nvGrpSpPr>
+          <p:cNvPr id="10" name="그룹 9">
+            <a:extLst>
+              <a:ext uri="{FF2B5EF4-FFF2-40B4-BE49-F238E27FC236}">
+                <a16:creationId xmlns:a16="http://schemas.microsoft.com/office/drawing/2014/main" id="{3A6CE36A-FA75-436C-8836-9D9D911A27E6}"/>
+              </a:ext>
+            </a:extLst>
+          </p:cNvPr>
+          <p:cNvGrpSpPr/>
+          <p:nvPr/>
+        </p:nvGrpSpPr>
+        <p:grpSpPr>
+          <a:xfrm>
+            <a:off x="10874731" y="1761824"/>
+            <a:ext cx="264796" cy="276999"/>
+            <a:chOff x="3920489" y="520630"/>
+            <a:chExt cx="264796" cy="276999"/>
+          </a:xfrm>
+        </p:grpSpPr>
+        <p:sp>
+          <p:nvSpPr>
+            <p:cNvPr id="11" name="타원 10">
+              <a:extLst>
+                <a:ext uri="{FF2B5EF4-FFF2-40B4-BE49-F238E27FC236}">
+                  <a16:creationId xmlns:a16="http://schemas.microsoft.com/office/drawing/2014/main" id="{3B746124-9CD4-485B-8DA0-570DAA8CC19B}"/>
+                </a:ext>
+              </a:extLst>
+            </p:cNvPr>
+            <p:cNvSpPr/>
+            <p:nvPr/>
+          </p:nvSpPr>
+          <p:spPr>
+            <a:xfrm>
+              <a:off x="3933825" y="533400"/>
+              <a:ext cx="251460" cy="251460"/>
+            </a:xfrm>
+            <a:prstGeom prst="ellipse">
+              <a:avLst/>
+            </a:prstGeom>
+            <a:solidFill>
+              <a:srgbClr val="FF9797"/>
+            </a:solidFill>
+            <a:ln>
+              <a:noFill/>
+            </a:ln>
+          </p:spPr>
+          <p:style>
+            <a:lnRef idx="2">
+              <a:schemeClr val="accent1">
+                <a:shade val="50000"/>
+              </a:schemeClr>
+            </a:lnRef>
+            <a:fillRef idx="1">
+              <a:schemeClr val="accent1"/>
+            </a:fillRef>
+            <a:effectRef idx="0">
+              <a:schemeClr val="accent1"/>
+            </a:effectRef>
+            <a:fontRef idx="minor">
+              <a:schemeClr val="lt1"/>
+            </a:fontRef>
+          </p:style>
+          <p:txBody>
+            <a:bodyPr rtlCol="0" anchor="ctr"/>
+            <a:lstStyle/>
+            <a:p>
+              <a:pPr algn="ctr"/>
+              <a:endParaRPr lang="ko-KR" altLang="en-US"/>
+            </a:p>
+          </p:txBody>
+        </p:sp>
+        <p:sp>
+          <p:nvSpPr>
+            <p:cNvPr id="12" name="TextBox 11">
+              <a:extLst>
+                <a:ext uri="{FF2B5EF4-FFF2-40B4-BE49-F238E27FC236}">
+                  <a16:creationId xmlns:a16="http://schemas.microsoft.com/office/drawing/2014/main" id="{753C3963-76C7-4499-B78E-0DFAD3DB410D}"/>
+                </a:ext>
+              </a:extLst>
+            </p:cNvPr>
+            <p:cNvSpPr txBox="1"/>
+            <p:nvPr/>
+          </p:nvSpPr>
+          <p:spPr>
+            <a:xfrm>
+              <a:off x="3920489" y="520630"/>
+              <a:ext cx="264795" cy="276999"/>
+            </a:xfrm>
+            <a:prstGeom prst="rect">
+              <a:avLst/>
+            </a:prstGeom>
+            <a:noFill/>
+          </p:spPr>
+          <p:txBody>
+            <a:bodyPr wrap="square" rtlCol="0">
+              <a:spAutoFit/>
+            </a:bodyPr>
+            <a:lstStyle/>
+            <a:p>
+              <a:r>
+                <a:rPr lang="en-US" altLang="ko-KR" sz="1200" dirty="0"/>
+                <a:t>2</a:t>
+              </a:r>
+              <a:endParaRPr lang="ko-KR" altLang="en-US" sz="1200" dirty="0"/>
+            </a:p>
+          </p:txBody>
+        </p:sp>
+      </p:grpSp>
+      <p:grpSp>
+        <p:nvGrpSpPr>
+          <p:cNvPr id="13" name="그룹 12">
+            <a:extLst>
+              <a:ext uri="{FF2B5EF4-FFF2-40B4-BE49-F238E27FC236}">
+                <a16:creationId xmlns:a16="http://schemas.microsoft.com/office/drawing/2014/main" id="{D569BC40-B690-44E9-B59C-EEF24AB7A6FF}"/>
+              </a:ext>
+            </a:extLst>
+          </p:cNvPr>
+          <p:cNvGrpSpPr/>
+          <p:nvPr/>
+        </p:nvGrpSpPr>
+        <p:grpSpPr>
+          <a:xfrm>
+            <a:off x="10874731" y="2314094"/>
+            <a:ext cx="264796" cy="276999"/>
+            <a:chOff x="3920489" y="520630"/>
+            <a:chExt cx="264796" cy="276999"/>
+          </a:xfrm>
+        </p:grpSpPr>
+        <p:sp>
+          <p:nvSpPr>
+            <p:cNvPr id="14" name="타원 13">
+              <a:extLst>
+                <a:ext uri="{FF2B5EF4-FFF2-40B4-BE49-F238E27FC236}">
+                  <a16:creationId xmlns:a16="http://schemas.microsoft.com/office/drawing/2014/main" id="{F057F53E-9E8C-4A9E-A6D2-17948BE28779}"/>
+                </a:ext>
+              </a:extLst>
+            </p:cNvPr>
+            <p:cNvSpPr/>
+            <p:nvPr/>
+          </p:nvSpPr>
+          <p:spPr>
+            <a:xfrm>
+              <a:off x="3933825" y="533400"/>
+              <a:ext cx="251460" cy="251460"/>
+            </a:xfrm>
+            <a:prstGeom prst="ellipse">
+              <a:avLst/>
+            </a:prstGeom>
+            <a:solidFill>
+              <a:srgbClr val="FF9797"/>
+            </a:solidFill>
+            <a:ln>
+              <a:noFill/>
+            </a:ln>
+          </p:spPr>
+          <p:style>
+            <a:lnRef idx="2">
+              <a:schemeClr val="accent1">
+                <a:shade val="50000"/>
+              </a:schemeClr>
+            </a:lnRef>
+            <a:fillRef idx="1">
+              <a:schemeClr val="accent1"/>
+            </a:fillRef>
+            <a:effectRef idx="0">
+              <a:schemeClr val="accent1"/>
+            </a:effectRef>
+            <a:fontRef idx="minor">
+              <a:schemeClr val="lt1"/>
+            </a:fontRef>
+          </p:style>
+          <p:txBody>
+            <a:bodyPr rtlCol="0" anchor="ctr"/>
+            <a:lstStyle/>
+            <a:p>
+              <a:pPr algn="ctr"/>
+              <a:endParaRPr lang="ko-KR" altLang="en-US"/>
+            </a:p>
+          </p:txBody>
+        </p:sp>
+        <p:sp>
+          <p:nvSpPr>
+            <p:cNvPr id="15" name="TextBox 14">
+              <a:extLst>
+                <a:ext uri="{FF2B5EF4-FFF2-40B4-BE49-F238E27FC236}">
+                  <a16:creationId xmlns:a16="http://schemas.microsoft.com/office/drawing/2014/main" id="{F3B1BCAD-9D0A-45AE-8EF1-15A80CA43811}"/>
+                </a:ext>
+              </a:extLst>
+            </p:cNvPr>
+            <p:cNvSpPr txBox="1"/>
+            <p:nvPr/>
+          </p:nvSpPr>
+          <p:spPr>
+            <a:xfrm>
+              <a:off x="3920489" y="520630"/>
+              <a:ext cx="264795" cy="276999"/>
+            </a:xfrm>
+            <a:prstGeom prst="rect">
+              <a:avLst/>
+            </a:prstGeom>
+            <a:noFill/>
+          </p:spPr>
+          <p:txBody>
+            <a:bodyPr wrap="square" rtlCol="0">
+              <a:spAutoFit/>
+            </a:bodyPr>
+            <a:lstStyle/>
+            <a:p>
+              <a:r>
+                <a:rPr lang="en-US" altLang="ko-KR" sz="1200" dirty="0"/>
+                <a:t>3</a:t>
+              </a:r>
+              <a:endParaRPr lang="ko-KR" altLang="en-US" sz="1200" dirty="0"/>
+            </a:p>
+          </p:txBody>
+        </p:sp>
+      </p:grpSp>
+      <p:grpSp>
+        <p:nvGrpSpPr>
+          <p:cNvPr id="16" name="그룹 15">
+            <a:extLst>
+              <a:ext uri="{FF2B5EF4-FFF2-40B4-BE49-F238E27FC236}">
+                <a16:creationId xmlns:a16="http://schemas.microsoft.com/office/drawing/2014/main" id="{5778866C-FC8D-4CDB-8E1A-4CC3BD64960E}"/>
+              </a:ext>
+            </a:extLst>
+          </p:cNvPr>
+          <p:cNvGrpSpPr/>
+          <p:nvPr/>
+        </p:nvGrpSpPr>
+        <p:grpSpPr>
+          <a:xfrm>
+            <a:off x="10861395" y="5085045"/>
+            <a:ext cx="264796" cy="276999"/>
+            <a:chOff x="3920489" y="520630"/>
+            <a:chExt cx="264796" cy="276999"/>
+          </a:xfrm>
+        </p:grpSpPr>
+        <p:sp>
+          <p:nvSpPr>
+            <p:cNvPr id="17" name="타원 16">
+              <a:extLst>
+                <a:ext uri="{FF2B5EF4-FFF2-40B4-BE49-F238E27FC236}">
+                  <a16:creationId xmlns:a16="http://schemas.microsoft.com/office/drawing/2014/main" id="{ED658D7C-03B6-462F-B1A6-236C970B35DC}"/>
+                </a:ext>
+              </a:extLst>
+            </p:cNvPr>
+            <p:cNvSpPr/>
+            <p:nvPr/>
+          </p:nvSpPr>
+          <p:spPr>
+            <a:xfrm>
+              <a:off x="3933825" y="533400"/>
+              <a:ext cx="251460" cy="251460"/>
+            </a:xfrm>
+            <a:prstGeom prst="ellipse">
+              <a:avLst/>
+            </a:prstGeom>
+            <a:solidFill>
+              <a:srgbClr val="FF9797"/>
+            </a:solidFill>
+            <a:ln>
+              <a:noFill/>
+            </a:ln>
+          </p:spPr>
+          <p:style>
+            <a:lnRef idx="2">
+              <a:schemeClr val="accent1">
+                <a:shade val="50000"/>
+              </a:schemeClr>
+            </a:lnRef>
+            <a:fillRef idx="1">
+              <a:schemeClr val="accent1"/>
+            </a:fillRef>
+            <a:effectRef idx="0">
+              <a:schemeClr val="accent1"/>
+            </a:effectRef>
+            <a:fontRef idx="minor">
+              <a:schemeClr val="lt1"/>
+            </a:fontRef>
+          </p:style>
+          <p:txBody>
+            <a:bodyPr rtlCol="0" anchor="ctr"/>
+            <a:lstStyle/>
+            <a:p>
+              <a:pPr algn="ctr"/>
+              <a:endParaRPr lang="ko-KR" altLang="en-US"/>
+            </a:p>
+          </p:txBody>
+        </p:sp>
+        <p:sp>
+          <p:nvSpPr>
+            <p:cNvPr id="18" name="TextBox 17">
+              <a:extLst>
+                <a:ext uri="{FF2B5EF4-FFF2-40B4-BE49-F238E27FC236}">
+                  <a16:creationId xmlns:a16="http://schemas.microsoft.com/office/drawing/2014/main" id="{8D54E7C2-80F3-4BDF-8DC4-16D8F59AC7B4}"/>
+                </a:ext>
+              </a:extLst>
+            </p:cNvPr>
+            <p:cNvSpPr txBox="1"/>
+            <p:nvPr/>
+          </p:nvSpPr>
+          <p:spPr>
+            <a:xfrm>
+              <a:off x="3920489" y="520630"/>
+              <a:ext cx="264795" cy="276999"/>
+            </a:xfrm>
+            <a:prstGeom prst="rect">
+              <a:avLst/>
+            </a:prstGeom>
+            <a:noFill/>
+          </p:spPr>
+          <p:txBody>
+            <a:bodyPr wrap="square" rtlCol="0">
+              <a:spAutoFit/>
+            </a:bodyPr>
+            <a:lstStyle/>
+            <a:p>
+              <a:r>
+                <a:rPr lang="en-US" altLang="ko-KR" sz="1200" dirty="0"/>
+                <a:t>5</a:t>
+              </a:r>
+              <a:endParaRPr lang="ko-KR" altLang="en-US" sz="1200" dirty="0"/>
+            </a:p>
+          </p:txBody>
+        </p:sp>
+      </p:grpSp>
+      <p:grpSp>
+        <p:nvGrpSpPr>
+          <p:cNvPr id="34" name="그룹 33">
+            <a:extLst>
+              <a:ext uri="{FF2B5EF4-FFF2-40B4-BE49-F238E27FC236}">
+                <a16:creationId xmlns:a16="http://schemas.microsoft.com/office/drawing/2014/main" id="{AF039DB0-121B-46CD-9A5D-41DAC1A896CB}"/>
+              </a:ext>
+            </a:extLst>
+          </p:cNvPr>
+          <p:cNvGrpSpPr/>
+          <p:nvPr/>
+        </p:nvGrpSpPr>
+        <p:grpSpPr>
+          <a:xfrm>
+            <a:off x="979924" y="1157051"/>
+            <a:ext cx="2875028" cy="1189028"/>
+            <a:chOff x="979924" y="1157051"/>
+            <a:chExt cx="2875028" cy="1189028"/>
+          </a:xfrm>
+        </p:grpSpPr>
+        <p:pic>
+          <p:nvPicPr>
+            <p:cNvPr id="6" name="그림 5">
+              <a:extLst>
+                <a:ext uri="{FF2B5EF4-FFF2-40B4-BE49-F238E27FC236}">
+                  <a16:creationId xmlns:a16="http://schemas.microsoft.com/office/drawing/2014/main" id="{05A042F7-7373-4A9F-81F3-62AF71F47952}"/>
+                </a:ext>
+              </a:extLst>
+            </p:cNvPr>
+            <p:cNvPicPr>
+              <a:picLocks noChangeAspect="1"/>
+            </p:cNvPicPr>
+            <p:nvPr/>
+          </p:nvPicPr>
+          <p:blipFill rotWithShape="1">
+            <a:blip r:embed="rId2"/>
+            <a:srcRect t="43150" b="36007"/>
+            <a:stretch/>
+          </p:blipFill>
+          <p:spPr>
+            <a:xfrm>
+              <a:off x="1282461" y="1289369"/>
+              <a:ext cx="2466504" cy="1056710"/>
+            </a:xfrm>
+            <a:prstGeom prst="rect">
+              <a:avLst/>
+            </a:prstGeom>
+            <a:ln>
+              <a:solidFill>
+                <a:schemeClr val="bg2">
+                  <a:lumMod val="50000"/>
+                </a:schemeClr>
+              </a:solidFill>
+            </a:ln>
+          </p:spPr>
+        </p:pic>
+        <p:sp>
+          <p:nvSpPr>
+            <p:cNvPr id="2" name="직사각형 1">
+              <a:extLst>
+                <a:ext uri="{FF2B5EF4-FFF2-40B4-BE49-F238E27FC236}">
+                  <a16:creationId xmlns:a16="http://schemas.microsoft.com/office/drawing/2014/main" id="{AB493394-770E-4F8E-BE2D-1921CA77A9D3}"/>
+                </a:ext>
+              </a:extLst>
+            </p:cNvPr>
+            <p:cNvSpPr/>
+            <p:nvPr/>
+          </p:nvSpPr>
+          <p:spPr>
+            <a:xfrm>
+              <a:off x="1198207" y="1797439"/>
+              <a:ext cx="2656745" cy="548640"/>
+            </a:xfrm>
+            <a:prstGeom prst="rect">
+              <a:avLst/>
+            </a:prstGeom>
+            <a:noFill/>
+            <a:ln w="19050">
+              <a:solidFill>
+                <a:srgbClr val="FF9797"/>
+              </a:solidFill>
+              <a:prstDash val="sysDash"/>
+            </a:ln>
+          </p:spPr>
+          <p:style>
+            <a:lnRef idx="2">
+              <a:schemeClr val="accent1">
+                <a:shade val="50000"/>
+              </a:schemeClr>
+            </a:lnRef>
+            <a:fillRef idx="1">
+              <a:schemeClr val="accent1"/>
+            </a:fillRef>
+            <a:effectRef idx="0">
+              <a:schemeClr val="accent1"/>
+            </a:effectRef>
+            <a:fontRef idx="minor">
+              <a:schemeClr val="lt1"/>
+            </a:fontRef>
+          </p:style>
+          <p:txBody>
+            <a:bodyPr rtlCol="0" anchor="ctr"/>
+            <a:lstStyle/>
+            <a:p>
+              <a:pPr algn="ctr"/>
+              <a:endParaRPr lang="ko-KR" altLang="en-US"/>
+            </a:p>
+          </p:txBody>
+        </p:sp>
+        <p:grpSp>
+          <p:nvGrpSpPr>
+            <p:cNvPr id="7" name="그룹 6">
+              <a:extLst>
+                <a:ext uri="{FF2B5EF4-FFF2-40B4-BE49-F238E27FC236}">
+                  <a16:creationId xmlns:a16="http://schemas.microsoft.com/office/drawing/2014/main" id="{49177F73-B46B-455F-9AF4-537250E5339B}"/>
+                </a:ext>
+              </a:extLst>
+            </p:cNvPr>
+            <p:cNvGrpSpPr/>
+            <p:nvPr/>
+          </p:nvGrpSpPr>
+          <p:grpSpPr>
+            <a:xfrm>
+              <a:off x="1152256" y="1441630"/>
+              <a:ext cx="176156" cy="230832"/>
+              <a:chOff x="3933823" y="494376"/>
+              <a:chExt cx="251462" cy="329510"/>
+            </a:xfrm>
+          </p:grpSpPr>
+          <p:sp>
+            <p:nvSpPr>
+              <p:cNvPr id="8" name="타원 7">
+                <a:extLst>
+                  <a:ext uri="{FF2B5EF4-FFF2-40B4-BE49-F238E27FC236}">
+                    <a16:creationId xmlns:a16="http://schemas.microsoft.com/office/drawing/2014/main" id="{C657C68A-7A0B-43C4-8D2C-1B0ED772E109}"/>
+                  </a:ext>
+                </a:extLst>
+              </p:cNvPr>
+              <p:cNvSpPr/>
+              <p:nvPr/>
+            </p:nvSpPr>
+            <p:spPr>
+              <a:xfrm>
+                <a:off x="3933825" y="533400"/>
+                <a:ext cx="251460" cy="251460"/>
+              </a:xfrm>
+              <a:prstGeom prst="ellipse">
+                <a:avLst/>
+              </a:prstGeom>
+              <a:solidFill>
+                <a:srgbClr val="FF9797"/>
+              </a:solidFill>
+              <a:ln>
+                <a:noFill/>
+              </a:ln>
+            </p:spPr>
+            <p:style>
+              <a:lnRef idx="2">
+                <a:schemeClr val="accent1">
+                  <a:shade val="50000"/>
+                </a:schemeClr>
+              </a:lnRef>
+              <a:fillRef idx="1">
+                <a:schemeClr val="accent1"/>
+              </a:fillRef>
+              <a:effectRef idx="0">
+                <a:schemeClr val="accent1"/>
+              </a:effectRef>
+              <a:fontRef idx="minor">
+                <a:schemeClr val="lt1"/>
+              </a:fontRef>
+            </p:style>
+            <p:txBody>
+              <a:bodyPr rtlCol="0" anchor="ctr"/>
+              <a:lstStyle/>
+              <a:p>
+                <a:pPr algn="ctr"/>
+                <a:endParaRPr lang="ko-KR" altLang="en-US"/>
+              </a:p>
+            </p:txBody>
+          </p:sp>
+          <p:sp>
+            <p:nvSpPr>
+              <p:cNvPr id="9" name="TextBox 8">
+                <a:extLst>
+                  <a:ext uri="{FF2B5EF4-FFF2-40B4-BE49-F238E27FC236}">
+                    <a16:creationId xmlns:a16="http://schemas.microsoft.com/office/drawing/2014/main" id="{BC121F34-B4E9-4458-B2B4-566866AB1D17}"/>
+                  </a:ext>
+                </a:extLst>
+              </p:cNvPr>
+              <p:cNvSpPr txBox="1"/>
+              <p:nvPr/>
+            </p:nvSpPr>
+            <p:spPr>
+              <a:xfrm>
+                <a:off x="3933823" y="494376"/>
+                <a:ext cx="251462" cy="329510"/>
+              </a:xfrm>
+              <a:prstGeom prst="rect">
+                <a:avLst/>
+              </a:prstGeom>
+              <a:noFill/>
+            </p:spPr>
+            <p:txBody>
+              <a:bodyPr wrap="square" rtlCol="0">
+                <a:spAutoFit/>
+              </a:bodyPr>
+              <a:lstStyle/>
+              <a:p>
+                <a:pPr algn="ctr"/>
+                <a:r>
+                  <a:rPr lang="en-US" altLang="ko-KR" sz="900" dirty="0"/>
+                  <a:t>1</a:t>
+                </a:r>
+                <a:endParaRPr lang="ko-KR" altLang="en-US" sz="900" dirty="0"/>
+              </a:p>
+            </p:txBody>
+          </p:sp>
+        </p:grpSp>
+        <p:sp>
+          <p:nvSpPr>
+            <p:cNvPr id="19" name="직사각형 18">
+              <a:extLst>
+                <a:ext uri="{FF2B5EF4-FFF2-40B4-BE49-F238E27FC236}">
+                  <a16:creationId xmlns:a16="http://schemas.microsoft.com/office/drawing/2014/main" id="{8EDB413C-0D21-4C7A-9340-CA089A0ADD67}"/>
+                </a:ext>
+              </a:extLst>
+            </p:cNvPr>
+            <p:cNvSpPr/>
+            <p:nvPr/>
+          </p:nvSpPr>
+          <p:spPr>
+            <a:xfrm>
+              <a:off x="1362668" y="1568291"/>
+              <a:ext cx="360878" cy="135520"/>
+            </a:xfrm>
+            <a:prstGeom prst="rect">
+              <a:avLst/>
+            </a:prstGeom>
+            <a:noFill/>
+            <a:ln w="19050">
+              <a:solidFill>
+                <a:srgbClr val="FF9797"/>
+              </a:solidFill>
+              <a:prstDash val="sysDash"/>
+            </a:ln>
+          </p:spPr>
+          <p:style>
+            <a:lnRef idx="2">
+              <a:schemeClr val="accent1">
+                <a:shade val="50000"/>
+              </a:schemeClr>
+            </a:lnRef>
+            <a:fillRef idx="1">
+              <a:schemeClr val="accent1"/>
+            </a:fillRef>
+            <a:effectRef idx="0">
+              <a:schemeClr val="accent1"/>
+            </a:effectRef>
+            <a:fontRef idx="minor">
+              <a:schemeClr val="lt1"/>
+            </a:fontRef>
+          </p:style>
+          <p:txBody>
+            <a:bodyPr rtlCol="0" anchor="ctr"/>
+            <a:lstStyle/>
+            <a:p>
+              <a:pPr algn="ctr"/>
+              <a:endParaRPr lang="ko-KR" altLang="en-US"/>
+            </a:p>
+          </p:txBody>
+        </p:sp>
+        <p:grpSp>
+          <p:nvGrpSpPr>
+            <p:cNvPr id="23" name="그룹 22">
+              <a:extLst>
+                <a:ext uri="{FF2B5EF4-FFF2-40B4-BE49-F238E27FC236}">
+                  <a16:creationId xmlns:a16="http://schemas.microsoft.com/office/drawing/2014/main" id="{E0685DD7-EE9E-4BCF-8A5A-C62550DBD811}"/>
+                </a:ext>
+              </a:extLst>
+            </p:cNvPr>
+            <p:cNvGrpSpPr/>
+            <p:nvPr/>
+          </p:nvGrpSpPr>
+          <p:grpSpPr>
+            <a:xfrm>
+              <a:off x="1834599" y="1163345"/>
+              <a:ext cx="176156" cy="230832"/>
+              <a:chOff x="3933823" y="494376"/>
+              <a:chExt cx="251462" cy="329510"/>
+            </a:xfrm>
+          </p:grpSpPr>
+          <p:sp>
+            <p:nvSpPr>
+              <p:cNvPr id="24" name="타원 23">
+                <a:extLst>
+                  <a:ext uri="{FF2B5EF4-FFF2-40B4-BE49-F238E27FC236}">
+                    <a16:creationId xmlns:a16="http://schemas.microsoft.com/office/drawing/2014/main" id="{E062A36F-97A6-46DB-AB1D-1976056C986F}"/>
+                  </a:ext>
+                </a:extLst>
+              </p:cNvPr>
+              <p:cNvSpPr/>
+              <p:nvPr/>
+            </p:nvSpPr>
+            <p:spPr>
+              <a:xfrm>
+                <a:off x="3933825" y="533400"/>
+                <a:ext cx="251460" cy="251460"/>
+              </a:xfrm>
+              <a:prstGeom prst="ellipse">
+                <a:avLst/>
+              </a:prstGeom>
+              <a:solidFill>
+                <a:srgbClr val="FF9797"/>
+              </a:solidFill>
+              <a:ln>
+                <a:noFill/>
+              </a:ln>
+            </p:spPr>
+            <p:style>
+              <a:lnRef idx="2">
+                <a:schemeClr val="accent1">
+                  <a:shade val="50000"/>
+                </a:schemeClr>
+              </a:lnRef>
+              <a:fillRef idx="1">
+                <a:schemeClr val="accent1"/>
+              </a:fillRef>
+              <a:effectRef idx="0">
+                <a:schemeClr val="accent1"/>
+              </a:effectRef>
+              <a:fontRef idx="minor">
+                <a:schemeClr val="lt1"/>
+              </a:fontRef>
+            </p:style>
+            <p:txBody>
+              <a:bodyPr rtlCol="0" anchor="ctr"/>
+              <a:lstStyle/>
+              <a:p>
+                <a:pPr algn="ctr"/>
+                <a:endParaRPr lang="ko-KR" altLang="en-US"/>
+              </a:p>
+            </p:txBody>
+          </p:sp>
+          <p:sp>
+            <p:nvSpPr>
+              <p:cNvPr id="25" name="TextBox 24">
+                <a:extLst>
+                  <a:ext uri="{FF2B5EF4-FFF2-40B4-BE49-F238E27FC236}">
+                    <a16:creationId xmlns:a16="http://schemas.microsoft.com/office/drawing/2014/main" id="{ABC015F9-BD72-46C6-818C-6178A2D841EE}"/>
+                  </a:ext>
+                </a:extLst>
+              </p:cNvPr>
+              <p:cNvSpPr txBox="1"/>
+              <p:nvPr/>
+            </p:nvSpPr>
+            <p:spPr>
+              <a:xfrm>
+                <a:off x="3933823" y="494376"/>
+                <a:ext cx="251462" cy="329510"/>
+              </a:xfrm>
+              <a:prstGeom prst="rect">
+                <a:avLst/>
+              </a:prstGeom>
+              <a:noFill/>
+            </p:spPr>
+            <p:txBody>
+              <a:bodyPr wrap="square" rtlCol="0">
+                <a:spAutoFit/>
+              </a:bodyPr>
+              <a:lstStyle/>
+              <a:p>
+                <a:pPr algn="ctr"/>
+                <a:r>
+                  <a:rPr lang="en-US" altLang="ko-KR" sz="900" dirty="0"/>
+                  <a:t>2</a:t>
+                </a:r>
+                <a:endParaRPr lang="ko-KR" altLang="en-US" sz="900" dirty="0"/>
+              </a:p>
+            </p:txBody>
+          </p:sp>
+        </p:grpSp>
+        <p:grpSp>
+          <p:nvGrpSpPr>
+            <p:cNvPr id="26" name="그룹 25">
+              <a:extLst>
+                <a:ext uri="{FF2B5EF4-FFF2-40B4-BE49-F238E27FC236}">
+                  <a16:creationId xmlns:a16="http://schemas.microsoft.com/office/drawing/2014/main" id="{27DE0203-D9D9-4638-B423-F2DD266370B3}"/>
+                </a:ext>
+              </a:extLst>
+            </p:cNvPr>
+            <p:cNvGrpSpPr/>
+            <p:nvPr/>
+          </p:nvGrpSpPr>
+          <p:grpSpPr>
+            <a:xfrm>
+              <a:off x="2581896" y="1157051"/>
+              <a:ext cx="176156" cy="230832"/>
+              <a:chOff x="3933823" y="494376"/>
+              <a:chExt cx="251462" cy="329510"/>
+            </a:xfrm>
+          </p:grpSpPr>
+          <p:sp>
+            <p:nvSpPr>
+              <p:cNvPr id="27" name="타원 26">
+                <a:extLst>
+                  <a:ext uri="{FF2B5EF4-FFF2-40B4-BE49-F238E27FC236}">
+                    <a16:creationId xmlns:a16="http://schemas.microsoft.com/office/drawing/2014/main" id="{904936D3-E66E-4864-B9AE-5CBF3C81BE10}"/>
+                  </a:ext>
+                </a:extLst>
+              </p:cNvPr>
+              <p:cNvSpPr/>
+              <p:nvPr/>
+            </p:nvSpPr>
+            <p:spPr>
+              <a:xfrm>
+                <a:off x="3933825" y="533400"/>
+                <a:ext cx="251460" cy="251460"/>
+              </a:xfrm>
+              <a:prstGeom prst="ellipse">
+                <a:avLst/>
+              </a:prstGeom>
+              <a:solidFill>
+                <a:srgbClr val="FF9797"/>
+              </a:solidFill>
+              <a:ln>
+                <a:noFill/>
+              </a:ln>
+            </p:spPr>
+            <p:style>
+              <a:lnRef idx="2">
+                <a:schemeClr val="accent1">
+                  <a:shade val="50000"/>
+                </a:schemeClr>
+              </a:lnRef>
+              <a:fillRef idx="1">
+                <a:schemeClr val="accent1"/>
+              </a:fillRef>
+              <a:effectRef idx="0">
+                <a:schemeClr val="accent1"/>
+              </a:effectRef>
+              <a:fontRef idx="minor">
+                <a:schemeClr val="lt1"/>
+              </a:fontRef>
+            </p:style>
+            <p:txBody>
+              <a:bodyPr rtlCol="0" anchor="ctr"/>
+              <a:lstStyle/>
+              <a:p>
+                <a:pPr algn="ctr"/>
+                <a:endParaRPr lang="ko-KR" altLang="en-US"/>
+              </a:p>
+            </p:txBody>
+          </p:sp>
+          <p:sp>
+            <p:nvSpPr>
+              <p:cNvPr id="28" name="TextBox 27">
+                <a:extLst>
+                  <a:ext uri="{FF2B5EF4-FFF2-40B4-BE49-F238E27FC236}">
+                    <a16:creationId xmlns:a16="http://schemas.microsoft.com/office/drawing/2014/main" id="{18CE46AC-B09A-4D53-A698-1B2EE5118156}"/>
+                  </a:ext>
+                </a:extLst>
+              </p:cNvPr>
+              <p:cNvSpPr txBox="1"/>
+              <p:nvPr/>
+            </p:nvSpPr>
+            <p:spPr>
+              <a:xfrm>
+                <a:off x="3933823" y="494376"/>
+                <a:ext cx="251462" cy="329510"/>
+              </a:xfrm>
+              <a:prstGeom prst="rect">
+                <a:avLst/>
+              </a:prstGeom>
+              <a:noFill/>
+            </p:spPr>
+            <p:txBody>
+              <a:bodyPr wrap="square" rtlCol="0">
+                <a:spAutoFit/>
+              </a:bodyPr>
+              <a:lstStyle/>
+              <a:p>
+                <a:pPr algn="ctr"/>
+                <a:r>
+                  <a:rPr lang="en-US" altLang="ko-KR" sz="900" dirty="0"/>
+                  <a:t>3</a:t>
+                </a:r>
+                <a:endParaRPr lang="ko-KR" altLang="en-US" sz="900" dirty="0"/>
+              </a:p>
+            </p:txBody>
+          </p:sp>
+        </p:grpSp>
+        <p:grpSp>
+          <p:nvGrpSpPr>
+            <p:cNvPr id="29" name="그룹 28">
+              <a:extLst>
+                <a:ext uri="{FF2B5EF4-FFF2-40B4-BE49-F238E27FC236}">
+                  <a16:creationId xmlns:a16="http://schemas.microsoft.com/office/drawing/2014/main" id="{70C7E93C-DF88-4BBA-943E-D41DB6BBA9B4}"/>
+                </a:ext>
+              </a:extLst>
+            </p:cNvPr>
+            <p:cNvGrpSpPr/>
+            <p:nvPr/>
+          </p:nvGrpSpPr>
+          <p:grpSpPr>
+            <a:xfrm>
+              <a:off x="979924" y="1761824"/>
+              <a:ext cx="176156" cy="230832"/>
+              <a:chOff x="3933823" y="494376"/>
+              <a:chExt cx="251462" cy="329510"/>
+            </a:xfrm>
+          </p:grpSpPr>
+          <p:sp>
+            <p:nvSpPr>
+              <p:cNvPr id="30" name="타원 29">
+                <a:extLst>
+                  <a:ext uri="{FF2B5EF4-FFF2-40B4-BE49-F238E27FC236}">
+                    <a16:creationId xmlns:a16="http://schemas.microsoft.com/office/drawing/2014/main" id="{3C17DED3-0DC0-4B53-858E-1935F90C1013}"/>
+                  </a:ext>
+                </a:extLst>
+              </p:cNvPr>
+              <p:cNvSpPr/>
+              <p:nvPr/>
+            </p:nvSpPr>
+            <p:spPr>
+              <a:xfrm>
+                <a:off x="3933825" y="533400"/>
+                <a:ext cx="251460" cy="251460"/>
+              </a:xfrm>
+              <a:prstGeom prst="ellipse">
+                <a:avLst/>
+              </a:prstGeom>
+              <a:solidFill>
+                <a:srgbClr val="FF9797"/>
+              </a:solidFill>
+              <a:ln>
+                <a:noFill/>
+              </a:ln>
+            </p:spPr>
+            <p:style>
+              <a:lnRef idx="2">
+                <a:schemeClr val="accent1">
+                  <a:shade val="50000"/>
+                </a:schemeClr>
+              </a:lnRef>
+              <a:fillRef idx="1">
+                <a:schemeClr val="accent1"/>
+              </a:fillRef>
+              <a:effectRef idx="0">
+                <a:schemeClr val="accent1"/>
+              </a:effectRef>
+              <a:fontRef idx="minor">
+                <a:schemeClr val="lt1"/>
+              </a:fontRef>
+            </p:style>
+            <p:txBody>
+              <a:bodyPr rtlCol="0" anchor="ctr"/>
+              <a:lstStyle/>
+              <a:p>
+                <a:pPr algn="ctr"/>
+                <a:endParaRPr lang="ko-KR" altLang="en-US"/>
+              </a:p>
+            </p:txBody>
+          </p:sp>
+          <p:sp>
+            <p:nvSpPr>
+              <p:cNvPr id="31" name="TextBox 30">
+                <a:extLst>
+                  <a:ext uri="{FF2B5EF4-FFF2-40B4-BE49-F238E27FC236}">
+                    <a16:creationId xmlns:a16="http://schemas.microsoft.com/office/drawing/2014/main" id="{6650E3C2-6305-4174-A003-1019D22482B2}"/>
+                  </a:ext>
+                </a:extLst>
+              </p:cNvPr>
+              <p:cNvSpPr txBox="1"/>
+              <p:nvPr/>
+            </p:nvSpPr>
+            <p:spPr>
+              <a:xfrm>
+                <a:off x="3933823" y="494376"/>
+                <a:ext cx="251462" cy="329510"/>
+              </a:xfrm>
+              <a:prstGeom prst="rect">
+                <a:avLst/>
+              </a:prstGeom>
+              <a:noFill/>
+            </p:spPr>
+            <p:txBody>
+              <a:bodyPr wrap="square" rtlCol="0">
+                <a:spAutoFit/>
+              </a:bodyPr>
+              <a:lstStyle/>
+              <a:p>
+                <a:pPr algn="ctr"/>
+                <a:r>
+                  <a:rPr lang="en-US" altLang="ko-KR" sz="900" dirty="0"/>
+                  <a:t>4</a:t>
+                </a:r>
+                <a:endParaRPr lang="ko-KR" altLang="en-US" sz="900" dirty="0"/>
+              </a:p>
+            </p:txBody>
+          </p:sp>
+        </p:grpSp>
+        <p:sp>
+          <p:nvSpPr>
+            <p:cNvPr id="32" name="직사각형 31">
+              <a:extLst>
+                <a:ext uri="{FF2B5EF4-FFF2-40B4-BE49-F238E27FC236}">
+                  <a16:creationId xmlns:a16="http://schemas.microsoft.com/office/drawing/2014/main" id="{A777AF8B-FBA4-4867-A73B-51E3B996B6DD}"/>
+                </a:ext>
+              </a:extLst>
+            </p:cNvPr>
+            <p:cNvSpPr/>
+            <p:nvPr/>
+          </p:nvSpPr>
+          <p:spPr>
+            <a:xfrm>
+              <a:off x="1842470" y="1391147"/>
+              <a:ext cx="743250" cy="244061"/>
+            </a:xfrm>
+            <a:prstGeom prst="rect">
+              <a:avLst/>
+            </a:prstGeom>
+            <a:noFill/>
+            <a:ln w="19050">
+              <a:solidFill>
+                <a:srgbClr val="FF9797"/>
+              </a:solidFill>
+              <a:prstDash val="sysDash"/>
+            </a:ln>
+          </p:spPr>
+          <p:style>
+            <a:lnRef idx="2">
+              <a:schemeClr val="accent1">
+                <a:shade val="50000"/>
+              </a:schemeClr>
+            </a:lnRef>
+            <a:fillRef idx="1">
+              <a:schemeClr val="accent1"/>
+            </a:fillRef>
+            <a:effectRef idx="0">
+              <a:schemeClr val="accent1"/>
+            </a:effectRef>
+            <a:fontRef idx="minor">
+              <a:schemeClr val="lt1"/>
+            </a:fontRef>
+          </p:style>
+          <p:txBody>
+            <a:bodyPr rtlCol="0" anchor="ctr"/>
+            <a:lstStyle/>
+            <a:p>
+              <a:pPr algn="ctr"/>
+              <a:endParaRPr lang="ko-KR" altLang="en-US"/>
+            </a:p>
+          </p:txBody>
+        </p:sp>
+        <p:sp>
+          <p:nvSpPr>
+            <p:cNvPr id="33" name="직사각형 32">
+              <a:extLst>
+                <a:ext uri="{FF2B5EF4-FFF2-40B4-BE49-F238E27FC236}">
+                  <a16:creationId xmlns:a16="http://schemas.microsoft.com/office/drawing/2014/main" id="{C87C72BE-0B64-434A-AEE6-67DADDB5B222}"/>
+                </a:ext>
+              </a:extLst>
+            </p:cNvPr>
+            <p:cNvSpPr/>
+            <p:nvPr/>
+          </p:nvSpPr>
+          <p:spPr>
+            <a:xfrm>
+              <a:off x="2638119" y="1391147"/>
+              <a:ext cx="621813" cy="244061"/>
+            </a:xfrm>
+            <a:prstGeom prst="rect">
+              <a:avLst/>
+            </a:prstGeom>
+            <a:noFill/>
+            <a:ln w="19050">
+              <a:solidFill>
+                <a:srgbClr val="FF9797"/>
+              </a:solidFill>
+              <a:prstDash val="sysDash"/>
+            </a:ln>
+          </p:spPr>
+          <p:style>
+            <a:lnRef idx="2">
+              <a:schemeClr val="accent1">
+                <a:shade val="50000"/>
+              </a:schemeClr>
+            </a:lnRef>
+            <a:fillRef idx="1">
+              <a:schemeClr val="accent1"/>
+            </a:fillRef>
+            <a:effectRef idx="0">
+              <a:schemeClr val="accent1"/>
+            </a:effectRef>
+            <a:fontRef idx="minor">
+              <a:schemeClr val="lt1"/>
+            </a:fontRef>
+          </p:style>
+          <p:txBody>
+            <a:bodyPr rtlCol="0" anchor="ctr"/>
+            <a:lstStyle/>
+            <a:p>
+              <a:pPr algn="ctr"/>
+              <a:endParaRPr lang="ko-KR" altLang="en-US"/>
+            </a:p>
+          </p:txBody>
+        </p:sp>
+      </p:grpSp>
     </p:spTree>
     <p:extLst>
       <p:ext uri="{BB962C8B-B14F-4D97-AF65-F5344CB8AC3E}">
